--- a/EDM/HW1.pptx
+++ b/EDM/HW1.pptx
@@ -165,10 +165,9 @@
           </a:lstStyle>
           <a:p>
             <a:r>
-              <a:rPr lang="zh-TW" altLang="en-US" smtClean="0"/>
+              <a:rPr lang="zh-TW" altLang="en-US"/>
               <a:t>按一下以編輯母片標題樣式</a:t>
             </a:r>
-            <a:endParaRPr lang="zh-TW" altLang="en-US"/>
           </a:p>
         </p:txBody>
       </p:sp>
@@ -230,10 +229,9 @@
           </a:lstStyle>
           <a:p>
             <a:r>
-              <a:rPr lang="zh-TW" altLang="en-US" smtClean="0"/>
+              <a:rPr lang="zh-TW" altLang="en-US"/>
               <a:t>按一下以編輯母片副標題樣式</a:t>
             </a:r>
-            <a:endParaRPr lang="zh-TW" altLang="en-US"/>
           </a:p>
         </p:txBody>
       </p:sp>
@@ -254,7 +252,7 @@
           <a:p>
             <a:fld id="{9553D06D-798D-41B2-8E09-945CDEC492DF}" type="datetimeFigureOut">
               <a:rPr lang="zh-TW" altLang="en-US" smtClean="0"/>
-              <a:t>2023/10/3</a:t>
+              <a:t>2024/9/29</a:t>
             </a:fld>
             <a:endParaRPr lang="zh-TW" altLang="en-US"/>
           </a:p>
@@ -348,10 +346,9 @@
           <a:lstStyle/>
           <a:p>
             <a:r>
-              <a:rPr lang="zh-TW" altLang="en-US" smtClean="0"/>
+              <a:rPr lang="zh-TW" altLang="en-US"/>
               <a:t>按一下以編輯母片標題樣式</a:t>
             </a:r>
-            <a:endParaRPr lang="zh-TW" altLang="en-US"/>
           </a:p>
         </p:txBody>
       </p:sp>
@@ -372,38 +369,37 @@
           <a:p>
             <a:pPr lvl="0"/>
             <a:r>
-              <a:rPr lang="zh-TW" altLang="en-US" smtClean="0"/>
+              <a:rPr lang="zh-TW" altLang="en-US"/>
               <a:t>按一下以編輯母片文字樣式</a:t>
             </a:r>
           </a:p>
           <a:p>
             <a:pPr lvl="1"/>
             <a:r>
-              <a:rPr lang="zh-TW" altLang="en-US" smtClean="0"/>
+              <a:rPr lang="zh-TW" altLang="en-US"/>
               <a:t>第二層</a:t>
             </a:r>
           </a:p>
           <a:p>
             <a:pPr lvl="2"/>
             <a:r>
-              <a:rPr lang="zh-TW" altLang="en-US" smtClean="0"/>
+              <a:rPr lang="zh-TW" altLang="en-US"/>
               <a:t>第三層</a:t>
             </a:r>
           </a:p>
           <a:p>
             <a:pPr lvl="3"/>
             <a:r>
-              <a:rPr lang="zh-TW" altLang="en-US" smtClean="0"/>
+              <a:rPr lang="zh-TW" altLang="en-US"/>
               <a:t>第四層</a:t>
             </a:r>
           </a:p>
           <a:p>
             <a:pPr lvl="4"/>
             <a:r>
-              <a:rPr lang="zh-TW" altLang="en-US" smtClean="0"/>
+              <a:rPr lang="zh-TW" altLang="en-US"/>
               <a:t>第五層</a:t>
             </a:r>
-            <a:endParaRPr lang="zh-TW" altLang="en-US"/>
           </a:p>
         </p:txBody>
       </p:sp>
@@ -424,7 +420,7 @@
           <a:p>
             <a:fld id="{9553D06D-798D-41B2-8E09-945CDEC492DF}" type="datetimeFigureOut">
               <a:rPr lang="zh-TW" altLang="en-US" smtClean="0"/>
-              <a:t>2023/10/3</a:t>
+              <a:t>2024/9/29</a:t>
             </a:fld>
             <a:endParaRPr lang="zh-TW" altLang="en-US"/>
           </a:p>
@@ -523,10 +519,9 @@
           <a:lstStyle/>
           <a:p>
             <a:r>
-              <a:rPr lang="zh-TW" altLang="en-US" smtClean="0"/>
+              <a:rPr lang="zh-TW" altLang="en-US"/>
               <a:t>按一下以編輯母片標題樣式</a:t>
             </a:r>
-            <a:endParaRPr lang="zh-TW" altLang="en-US"/>
           </a:p>
         </p:txBody>
       </p:sp>
@@ -552,38 +547,37 @@
           <a:p>
             <a:pPr lvl="0"/>
             <a:r>
-              <a:rPr lang="zh-TW" altLang="en-US" smtClean="0"/>
+              <a:rPr lang="zh-TW" altLang="en-US"/>
               <a:t>按一下以編輯母片文字樣式</a:t>
             </a:r>
           </a:p>
           <a:p>
             <a:pPr lvl="1"/>
             <a:r>
-              <a:rPr lang="zh-TW" altLang="en-US" smtClean="0"/>
+              <a:rPr lang="zh-TW" altLang="en-US"/>
               <a:t>第二層</a:t>
             </a:r>
           </a:p>
           <a:p>
             <a:pPr lvl="2"/>
             <a:r>
-              <a:rPr lang="zh-TW" altLang="en-US" smtClean="0"/>
+              <a:rPr lang="zh-TW" altLang="en-US"/>
               <a:t>第三層</a:t>
             </a:r>
           </a:p>
           <a:p>
             <a:pPr lvl="3"/>
             <a:r>
-              <a:rPr lang="zh-TW" altLang="en-US" smtClean="0"/>
+              <a:rPr lang="zh-TW" altLang="en-US"/>
               <a:t>第四層</a:t>
             </a:r>
           </a:p>
           <a:p>
             <a:pPr lvl="4"/>
             <a:r>
-              <a:rPr lang="zh-TW" altLang="en-US" smtClean="0"/>
+              <a:rPr lang="zh-TW" altLang="en-US"/>
               <a:t>第五層</a:t>
             </a:r>
-            <a:endParaRPr lang="zh-TW" altLang="en-US"/>
           </a:p>
         </p:txBody>
       </p:sp>
@@ -604,7 +598,7 @@
           <a:p>
             <a:fld id="{9553D06D-798D-41B2-8E09-945CDEC492DF}" type="datetimeFigureOut">
               <a:rPr lang="zh-TW" altLang="en-US" smtClean="0"/>
-              <a:t>2023/10/3</a:t>
+              <a:t>2024/9/29</a:t>
             </a:fld>
             <a:endParaRPr lang="zh-TW" altLang="en-US"/>
           </a:p>
@@ -698,10 +692,9 @@
           <a:lstStyle/>
           <a:p>
             <a:r>
-              <a:rPr lang="zh-TW" altLang="en-US" smtClean="0"/>
+              <a:rPr lang="zh-TW" altLang="en-US"/>
               <a:t>按一下以編輯母片標題樣式</a:t>
             </a:r>
-            <a:endParaRPr lang="zh-TW" altLang="en-US"/>
           </a:p>
         </p:txBody>
       </p:sp>
@@ -722,38 +715,37 @@
           <a:p>
             <a:pPr lvl="0"/>
             <a:r>
-              <a:rPr lang="zh-TW" altLang="en-US" smtClean="0"/>
+              <a:rPr lang="zh-TW" altLang="en-US"/>
               <a:t>按一下以編輯母片文字樣式</a:t>
             </a:r>
           </a:p>
           <a:p>
             <a:pPr lvl="1"/>
             <a:r>
-              <a:rPr lang="zh-TW" altLang="en-US" smtClean="0"/>
+              <a:rPr lang="zh-TW" altLang="en-US"/>
               <a:t>第二層</a:t>
             </a:r>
           </a:p>
           <a:p>
             <a:pPr lvl="2"/>
             <a:r>
-              <a:rPr lang="zh-TW" altLang="en-US" smtClean="0"/>
+              <a:rPr lang="zh-TW" altLang="en-US"/>
               <a:t>第三層</a:t>
             </a:r>
           </a:p>
           <a:p>
             <a:pPr lvl="3"/>
             <a:r>
-              <a:rPr lang="zh-TW" altLang="en-US" smtClean="0"/>
+              <a:rPr lang="zh-TW" altLang="en-US"/>
               <a:t>第四層</a:t>
             </a:r>
           </a:p>
           <a:p>
             <a:pPr lvl="4"/>
             <a:r>
-              <a:rPr lang="zh-TW" altLang="en-US" smtClean="0"/>
+              <a:rPr lang="zh-TW" altLang="en-US"/>
               <a:t>第五層</a:t>
             </a:r>
-            <a:endParaRPr lang="zh-TW" altLang="en-US"/>
           </a:p>
         </p:txBody>
       </p:sp>
@@ -774,7 +766,7 @@
           <a:p>
             <a:fld id="{9553D06D-798D-41B2-8E09-945CDEC492DF}" type="datetimeFigureOut">
               <a:rPr lang="zh-TW" altLang="en-US" smtClean="0"/>
-              <a:t>2023/10/3</a:t>
+              <a:t>2024/9/29</a:t>
             </a:fld>
             <a:endParaRPr lang="zh-TW" altLang="en-US"/>
           </a:p>
@@ -877,10 +869,9 @@
           </a:lstStyle>
           <a:p>
             <a:r>
-              <a:rPr lang="zh-TW" altLang="en-US" smtClean="0"/>
+              <a:rPr lang="zh-TW" altLang="en-US"/>
               <a:t>按一下以編輯母片標題樣式</a:t>
             </a:r>
-            <a:endParaRPr lang="zh-TW" altLang="en-US"/>
           </a:p>
         </p:txBody>
       </p:sp>
@@ -997,7 +988,7 @@
           <a:p>
             <a:pPr lvl="0"/>
             <a:r>
-              <a:rPr lang="zh-TW" altLang="en-US" smtClean="0"/>
+              <a:rPr lang="zh-TW" altLang="en-US"/>
               <a:t>按一下以編輯母片文字樣式</a:t>
             </a:r>
           </a:p>
@@ -1020,7 +1011,7 @@
           <a:p>
             <a:fld id="{9553D06D-798D-41B2-8E09-945CDEC492DF}" type="datetimeFigureOut">
               <a:rPr lang="zh-TW" altLang="en-US" smtClean="0"/>
-              <a:t>2023/10/3</a:t>
+              <a:t>2024/9/29</a:t>
             </a:fld>
             <a:endParaRPr lang="zh-TW" altLang="en-US"/>
           </a:p>
@@ -1114,10 +1105,9 @@
           <a:lstStyle/>
           <a:p>
             <a:r>
-              <a:rPr lang="zh-TW" altLang="en-US" smtClean="0"/>
+              <a:rPr lang="zh-TW" altLang="en-US"/>
               <a:t>按一下以編輯母片標題樣式</a:t>
             </a:r>
-            <a:endParaRPr lang="zh-TW" altLang="en-US"/>
           </a:p>
         </p:txBody>
       </p:sp>
@@ -1143,38 +1133,37 @@
           <a:p>
             <a:pPr lvl="0"/>
             <a:r>
-              <a:rPr lang="zh-TW" altLang="en-US" smtClean="0"/>
+              <a:rPr lang="zh-TW" altLang="en-US"/>
               <a:t>按一下以編輯母片文字樣式</a:t>
             </a:r>
           </a:p>
           <a:p>
             <a:pPr lvl="1"/>
             <a:r>
-              <a:rPr lang="zh-TW" altLang="en-US" smtClean="0"/>
+              <a:rPr lang="zh-TW" altLang="en-US"/>
               <a:t>第二層</a:t>
             </a:r>
           </a:p>
           <a:p>
             <a:pPr lvl="2"/>
             <a:r>
-              <a:rPr lang="zh-TW" altLang="en-US" smtClean="0"/>
+              <a:rPr lang="zh-TW" altLang="en-US"/>
               <a:t>第三層</a:t>
             </a:r>
           </a:p>
           <a:p>
             <a:pPr lvl="3"/>
             <a:r>
-              <a:rPr lang="zh-TW" altLang="en-US" smtClean="0"/>
+              <a:rPr lang="zh-TW" altLang="en-US"/>
               <a:t>第四層</a:t>
             </a:r>
           </a:p>
           <a:p>
             <a:pPr lvl="4"/>
             <a:r>
-              <a:rPr lang="zh-TW" altLang="en-US" smtClean="0"/>
+              <a:rPr lang="zh-TW" altLang="en-US"/>
               <a:t>第五層</a:t>
             </a:r>
-            <a:endParaRPr lang="zh-TW" altLang="en-US"/>
           </a:p>
         </p:txBody>
       </p:sp>
@@ -1200,38 +1189,37 @@
           <a:p>
             <a:pPr lvl="0"/>
             <a:r>
-              <a:rPr lang="zh-TW" altLang="en-US" smtClean="0"/>
+              <a:rPr lang="zh-TW" altLang="en-US"/>
               <a:t>按一下以編輯母片文字樣式</a:t>
             </a:r>
           </a:p>
           <a:p>
             <a:pPr lvl="1"/>
             <a:r>
-              <a:rPr lang="zh-TW" altLang="en-US" smtClean="0"/>
+              <a:rPr lang="zh-TW" altLang="en-US"/>
               <a:t>第二層</a:t>
             </a:r>
           </a:p>
           <a:p>
             <a:pPr lvl="2"/>
             <a:r>
-              <a:rPr lang="zh-TW" altLang="en-US" smtClean="0"/>
+              <a:rPr lang="zh-TW" altLang="en-US"/>
               <a:t>第三層</a:t>
             </a:r>
           </a:p>
           <a:p>
             <a:pPr lvl="3"/>
             <a:r>
-              <a:rPr lang="zh-TW" altLang="en-US" smtClean="0"/>
+              <a:rPr lang="zh-TW" altLang="en-US"/>
               <a:t>第四層</a:t>
             </a:r>
           </a:p>
           <a:p>
             <a:pPr lvl="4"/>
             <a:r>
-              <a:rPr lang="zh-TW" altLang="en-US" smtClean="0"/>
+              <a:rPr lang="zh-TW" altLang="en-US"/>
               <a:t>第五層</a:t>
             </a:r>
-            <a:endParaRPr lang="zh-TW" altLang="en-US"/>
           </a:p>
         </p:txBody>
       </p:sp>
@@ -1252,7 +1240,7 @@
           <a:p>
             <a:fld id="{9553D06D-798D-41B2-8E09-945CDEC492DF}" type="datetimeFigureOut">
               <a:rPr lang="zh-TW" altLang="en-US" smtClean="0"/>
-              <a:t>2023/10/3</a:t>
+              <a:t>2024/9/29</a:t>
             </a:fld>
             <a:endParaRPr lang="zh-TW" altLang="en-US"/>
           </a:p>
@@ -1351,10 +1339,9 @@
           <a:lstStyle/>
           <a:p>
             <a:r>
-              <a:rPr lang="zh-TW" altLang="en-US" smtClean="0"/>
+              <a:rPr lang="zh-TW" altLang="en-US"/>
               <a:t>按一下以編輯母片標題樣式</a:t>
             </a:r>
-            <a:endParaRPr lang="zh-TW" altLang="en-US"/>
           </a:p>
         </p:txBody>
       </p:sp>
@@ -1417,7 +1404,7 @@
           <a:p>
             <a:pPr lvl="0"/>
             <a:r>
-              <a:rPr lang="zh-TW" altLang="en-US" smtClean="0"/>
+              <a:rPr lang="zh-TW" altLang="en-US"/>
               <a:t>按一下以編輯母片文字樣式</a:t>
             </a:r>
           </a:p>
@@ -1445,38 +1432,37 @@
           <a:p>
             <a:pPr lvl="0"/>
             <a:r>
-              <a:rPr lang="zh-TW" altLang="en-US" smtClean="0"/>
+              <a:rPr lang="zh-TW" altLang="en-US"/>
               <a:t>按一下以編輯母片文字樣式</a:t>
             </a:r>
           </a:p>
           <a:p>
             <a:pPr lvl="1"/>
             <a:r>
-              <a:rPr lang="zh-TW" altLang="en-US" smtClean="0"/>
+              <a:rPr lang="zh-TW" altLang="en-US"/>
               <a:t>第二層</a:t>
             </a:r>
           </a:p>
           <a:p>
             <a:pPr lvl="2"/>
             <a:r>
-              <a:rPr lang="zh-TW" altLang="en-US" smtClean="0"/>
+              <a:rPr lang="zh-TW" altLang="en-US"/>
               <a:t>第三層</a:t>
             </a:r>
           </a:p>
           <a:p>
             <a:pPr lvl="3"/>
             <a:r>
-              <a:rPr lang="zh-TW" altLang="en-US" smtClean="0"/>
+              <a:rPr lang="zh-TW" altLang="en-US"/>
               <a:t>第四層</a:t>
             </a:r>
           </a:p>
           <a:p>
             <a:pPr lvl="4"/>
             <a:r>
-              <a:rPr lang="zh-TW" altLang="en-US" smtClean="0"/>
+              <a:rPr lang="zh-TW" altLang="en-US"/>
               <a:t>第五層</a:t>
             </a:r>
-            <a:endParaRPr lang="zh-TW" altLang="en-US"/>
           </a:p>
         </p:txBody>
       </p:sp>
@@ -1539,7 +1525,7 @@
           <a:p>
             <a:pPr lvl="0"/>
             <a:r>
-              <a:rPr lang="zh-TW" altLang="en-US" smtClean="0"/>
+              <a:rPr lang="zh-TW" altLang="en-US"/>
               <a:t>按一下以編輯母片文字樣式</a:t>
             </a:r>
           </a:p>
@@ -1567,38 +1553,37 @@
           <a:p>
             <a:pPr lvl="0"/>
             <a:r>
-              <a:rPr lang="zh-TW" altLang="en-US" smtClean="0"/>
+              <a:rPr lang="zh-TW" altLang="en-US"/>
               <a:t>按一下以編輯母片文字樣式</a:t>
             </a:r>
           </a:p>
           <a:p>
             <a:pPr lvl="1"/>
             <a:r>
-              <a:rPr lang="zh-TW" altLang="en-US" smtClean="0"/>
+              <a:rPr lang="zh-TW" altLang="en-US"/>
               <a:t>第二層</a:t>
             </a:r>
           </a:p>
           <a:p>
             <a:pPr lvl="2"/>
             <a:r>
-              <a:rPr lang="zh-TW" altLang="en-US" smtClean="0"/>
+              <a:rPr lang="zh-TW" altLang="en-US"/>
               <a:t>第三層</a:t>
             </a:r>
           </a:p>
           <a:p>
             <a:pPr lvl="3"/>
             <a:r>
-              <a:rPr lang="zh-TW" altLang="en-US" smtClean="0"/>
+              <a:rPr lang="zh-TW" altLang="en-US"/>
               <a:t>第四層</a:t>
             </a:r>
           </a:p>
           <a:p>
             <a:pPr lvl="4"/>
             <a:r>
-              <a:rPr lang="zh-TW" altLang="en-US" smtClean="0"/>
+              <a:rPr lang="zh-TW" altLang="en-US"/>
               <a:t>第五層</a:t>
             </a:r>
-            <a:endParaRPr lang="zh-TW" altLang="en-US"/>
           </a:p>
         </p:txBody>
       </p:sp>
@@ -1619,7 +1604,7 @@
           <a:p>
             <a:fld id="{9553D06D-798D-41B2-8E09-945CDEC492DF}" type="datetimeFigureOut">
               <a:rPr lang="zh-TW" altLang="en-US" smtClean="0"/>
-              <a:t>2023/10/3</a:t>
+              <a:t>2024/9/29</a:t>
             </a:fld>
             <a:endParaRPr lang="zh-TW" altLang="en-US"/>
           </a:p>
@@ -1713,10 +1698,9 @@
           <a:lstStyle/>
           <a:p>
             <a:r>
-              <a:rPr lang="zh-TW" altLang="en-US" smtClean="0"/>
+              <a:rPr lang="zh-TW" altLang="en-US"/>
               <a:t>按一下以編輯母片標題樣式</a:t>
             </a:r>
-            <a:endParaRPr lang="zh-TW" altLang="en-US"/>
           </a:p>
         </p:txBody>
       </p:sp>
@@ -1737,7 +1721,7 @@
           <a:p>
             <a:fld id="{9553D06D-798D-41B2-8E09-945CDEC492DF}" type="datetimeFigureOut">
               <a:rPr lang="zh-TW" altLang="en-US" smtClean="0"/>
-              <a:t>2023/10/3</a:t>
+              <a:t>2024/9/29</a:t>
             </a:fld>
             <a:endParaRPr lang="zh-TW" altLang="en-US"/>
           </a:p>
@@ -1832,7 +1816,7 @@
           <a:p>
             <a:fld id="{9553D06D-798D-41B2-8E09-945CDEC492DF}" type="datetimeFigureOut">
               <a:rPr lang="zh-TW" altLang="en-US" smtClean="0"/>
-              <a:t>2023/10/3</a:t>
+              <a:t>2024/9/29</a:t>
             </a:fld>
             <a:endParaRPr lang="zh-TW" altLang="en-US"/>
           </a:p>
@@ -1935,10 +1919,9 @@
           </a:lstStyle>
           <a:p>
             <a:r>
-              <a:rPr lang="zh-TW" altLang="en-US" smtClean="0"/>
+              <a:rPr lang="zh-TW" altLang="en-US"/>
               <a:t>按一下以編輯母片標題樣式</a:t>
             </a:r>
-            <a:endParaRPr lang="zh-TW" altLang="en-US"/>
           </a:p>
         </p:txBody>
       </p:sp>
@@ -1992,38 +1975,37 @@
           <a:p>
             <a:pPr lvl="0"/>
             <a:r>
-              <a:rPr lang="zh-TW" altLang="en-US" smtClean="0"/>
+              <a:rPr lang="zh-TW" altLang="en-US"/>
               <a:t>按一下以編輯母片文字樣式</a:t>
             </a:r>
           </a:p>
           <a:p>
             <a:pPr lvl="1"/>
             <a:r>
-              <a:rPr lang="zh-TW" altLang="en-US" smtClean="0"/>
+              <a:rPr lang="zh-TW" altLang="en-US"/>
               <a:t>第二層</a:t>
             </a:r>
           </a:p>
           <a:p>
             <a:pPr lvl="2"/>
             <a:r>
-              <a:rPr lang="zh-TW" altLang="en-US" smtClean="0"/>
+              <a:rPr lang="zh-TW" altLang="en-US"/>
               <a:t>第三層</a:t>
             </a:r>
           </a:p>
           <a:p>
             <a:pPr lvl="3"/>
             <a:r>
-              <a:rPr lang="zh-TW" altLang="en-US" smtClean="0"/>
+              <a:rPr lang="zh-TW" altLang="en-US"/>
               <a:t>第四層</a:t>
             </a:r>
           </a:p>
           <a:p>
             <a:pPr lvl="4"/>
             <a:r>
-              <a:rPr lang="zh-TW" altLang="en-US" smtClean="0"/>
+              <a:rPr lang="zh-TW" altLang="en-US"/>
               <a:t>第五層</a:t>
             </a:r>
-            <a:endParaRPr lang="zh-TW" altLang="en-US"/>
           </a:p>
         </p:txBody>
       </p:sp>
@@ -2086,7 +2068,7 @@
           <a:p>
             <a:pPr lvl="0"/>
             <a:r>
-              <a:rPr lang="zh-TW" altLang="en-US" smtClean="0"/>
+              <a:rPr lang="zh-TW" altLang="en-US"/>
               <a:t>按一下以編輯母片文字樣式</a:t>
             </a:r>
           </a:p>
@@ -2109,7 +2091,7 @@
           <a:p>
             <a:fld id="{9553D06D-798D-41B2-8E09-945CDEC492DF}" type="datetimeFigureOut">
               <a:rPr lang="zh-TW" altLang="en-US" smtClean="0"/>
-              <a:t>2023/10/3</a:t>
+              <a:t>2024/9/29</a:t>
             </a:fld>
             <a:endParaRPr lang="zh-TW" altLang="en-US"/>
           </a:p>
@@ -2212,10 +2194,9 @@
           </a:lstStyle>
           <a:p>
             <a:r>
-              <a:rPr lang="zh-TW" altLang="en-US" smtClean="0"/>
+              <a:rPr lang="zh-TW" altLang="en-US"/>
               <a:t>按一下以編輯母片標題樣式</a:t>
             </a:r>
-            <a:endParaRPr lang="zh-TW" altLang="en-US"/>
           </a:p>
         </p:txBody>
       </p:sp>
@@ -2339,7 +2320,7 @@
           <a:p>
             <a:pPr lvl="0"/>
             <a:r>
-              <a:rPr lang="zh-TW" altLang="en-US" smtClean="0"/>
+              <a:rPr lang="zh-TW" altLang="en-US"/>
               <a:t>按一下以編輯母片文字樣式</a:t>
             </a:r>
           </a:p>
@@ -2362,7 +2343,7 @@
           <a:p>
             <a:fld id="{9553D06D-798D-41B2-8E09-945CDEC492DF}" type="datetimeFigureOut">
               <a:rPr lang="zh-TW" altLang="en-US" smtClean="0"/>
-              <a:t>2023/10/3</a:t>
+              <a:t>2024/9/29</a:t>
             </a:fld>
             <a:endParaRPr lang="zh-TW" altLang="en-US"/>
           </a:p>
@@ -2471,10 +2452,9 @@
           <a:lstStyle/>
           <a:p>
             <a:r>
-              <a:rPr lang="zh-TW" altLang="en-US" smtClean="0"/>
+              <a:rPr lang="zh-TW" altLang="en-US"/>
               <a:t>按一下以編輯母片標題樣式</a:t>
             </a:r>
-            <a:endParaRPr lang="zh-TW" altLang="en-US"/>
           </a:p>
         </p:txBody>
       </p:sp>
@@ -2505,38 +2485,37 @@
           <a:p>
             <a:pPr lvl="0"/>
             <a:r>
-              <a:rPr lang="zh-TW" altLang="en-US" smtClean="0"/>
+              <a:rPr lang="zh-TW" altLang="en-US"/>
               <a:t>按一下以編輯母片文字樣式</a:t>
             </a:r>
           </a:p>
           <a:p>
             <a:pPr lvl="1"/>
             <a:r>
-              <a:rPr lang="zh-TW" altLang="en-US" smtClean="0"/>
+              <a:rPr lang="zh-TW" altLang="en-US"/>
               <a:t>第二層</a:t>
             </a:r>
           </a:p>
           <a:p>
             <a:pPr lvl="2"/>
             <a:r>
-              <a:rPr lang="zh-TW" altLang="en-US" smtClean="0"/>
+              <a:rPr lang="zh-TW" altLang="en-US"/>
               <a:t>第三層</a:t>
             </a:r>
           </a:p>
           <a:p>
             <a:pPr lvl="3"/>
             <a:r>
-              <a:rPr lang="zh-TW" altLang="en-US" smtClean="0"/>
+              <a:rPr lang="zh-TW" altLang="en-US"/>
               <a:t>第四層</a:t>
             </a:r>
           </a:p>
           <a:p>
             <a:pPr lvl="4"/>
             <a:r>
-              <a:rPr lang="zh-TW" altLang="en-US" smtClean="0"/>
+              <a:rPr lang="zh-TW" altLang="en-US"/>
               <a:t>第五層</a:t>
             </a:r>
-            <a:endParaRPr lang="zh-TW" altLang="en-US"/>
           </a:p>
         </p:txBody>
       </p:sp>
@@ -2575,7 +2554,7 @@
           <a:p>
             <a:fld id="{9553D06D-798D-41B2-8E09-945CDEC492DF}" type="datetimeFigureOut">
               <a:rPr lang="zh-TW" altLang="en-US" smtClean="0"/>
-              <a:t>2023/10/3</a:t>
+              <a:t>2024/9/29</a:t>
             </a:fld>
             <a:endParaRPr lang="zh-TW" altLang="en-US"/>
           </a:p>
@@ -2996,20 +2975,8 @@
           <a:lstStyle/>
           <a:p>
             <a:r>
-              <a:rPr lang="en-US" altLang="zh-TW" dirty="0" smtClean="0"/>
-              <a:t>Educational </a:t>
-            </a:r>
-            <a:r>
-              <a:rPr lang="en-US" altLang="zh-TW" dirty="0" smtClean="0"/>
-              <a:t>Data </a:t>
-            </a:r>
-            <a:r>
-              <a:rPr lang="en-US" altLang="zh-TW" dirty="0" smtClean="0"/>
-              <a:t>Mining and Applications: </a:t>
-            </a:r>
-            <a:r>
-              <a:rPr lang="en-US" altLang="zh-TW" dirty="0" smtClean="0"/>
-              <a:t>HW#1</a:t>
+              <a:rPr lang="en-US" altLang="zh-TW" dirty="0"/>
+              <a:t>Educational Data Mining and Applications: HW#1</a:t>
             </a:r>
             <a:endParaRPr lang="zh-TW" altLang="en-US" dirty="0"/>
           </a:p>
@@ -3030,26 +2997,18 @@
           <a:bodyPr/>
           <a:lstStyle/>
           <a:p>
-            <a:endParaRPr lang="en-US" altLang="zh-TW" dirty="0" smtClean="0"/>
-          </a:p>
-          <a:p>
-            <a:r>
-              <a:rPr lang="en-US" altLang="zh-TW" dirty="0" smtClean="0"/>
-              <a:t>By </a:t>
-            </a:r>
-            <a:r>
-              <a:rPr lang="en-US" altLang="zh-TW" dirty="0" smtClean="0"/>
-              <a:t>J. H. Wang</a:t>
-            </a:r>
-          </a:p>
-          <a:p>
-            <a:r>
-              <a:rPr lang="en-US" altLang="zh-TW" dirty="0" smtClean="0"/>
-              <a:t>Oct. 3, </a:t>
-            </a:r>
-            <a:r>
-              <a:rPr lang="en-US" altLang="zh-TW" dirty="0" smtClean="0"/>
-              <a:t>2023</a:t>
+            <a:endParaRPr lang="en-US" altLang="zh-TW" dirty="0"/>
+          </a:p>
+          <a:p>
+            <a:r>
+              <a:rPr lang="en-US" altLang="zh-TW" dirty="0"/>
+              <a:t>By J. H. Wang</a:t>
+            </a:r>
+          </a:p>
+          <a:p>
+            <a:r>
+              <a:rPr lang="en-US" altLang="zh-TW" dirty="0"/>
+              <a:t>Sep. 30, 2024</a:t>
             </a:r>
             <a:endParaRPr lang="zh-TW" altLang="en-US" dirty="0"/>
           </a:p>
@@ -3065,13 +3024,6 @@
   <p:clrMapOvr>
     <a:masterClrMapping/>
   </p:clrMapOvr>
-  <p:timing>
-    <p:tnLst>
-      <p:par>
-        <p:cTn id="1" dur="indefinite" restart="never" nodeType="tmRoot"/>
-      </p:par>
-    </p:tnLst>
-  </p:timing>
 </p:sld>
 </file>
 
@@ -3127,12 +3079,8 @@
           <a:lstStyle/>
           <a:p>
             <a:r>
-              <a:rPr lang="en-US" altLang="zh-TW" dirty="0" smtClean="0"/>
-              <a:t>3.11: </a:t>
-            </a:r>
-            <a:r>
-              <a:rPr lang="en-US" altLang="zh-TW" dirty="0"/>
-              <a:t>Using the data for </a:t>
+              <a:rPr lang="en-US" altLang="zh-TW" dirty="0"/>
+              <a:t>2.22: Using the data for </a:t>
             </a:r>
             <a:r>
               <a:rPr lang="en-US" altLang="zh-TW" i="1" dirty="0"/>
@@ -3140,24 +3088,15 @@
             </a:r>
             <a:r>
               <a:rPr lang="en-US" altLang="zh-TW" dirty="0"/>
-              <a:t>given in Exercise 3.3</a:t>
-            </a:r>
-            <a:r>
-              <a:rPr lang="en-US" altLang="zh-TW" dirty="0" smtClean="0"/>
-              <a:t>,</a:t>
+              <a:t>given in Exercise 2.14,</a:t>
             </a:r>
           </a:p>
           <a:p>
             <a:pPr lvl="1"/>
             <a:r>
-              <a:rPr lang="en-US" altLang="zh-TW" dirty="0" smtClean="0"/>
-              <a:t>(a) Plot </a:t>
-            </a:r>
-            <a:r>
-              <a:rPr lang="en-US" altLang="zh-TW" dirty="0"/>
-              <a:t>an equal-width histogram of width 10.</a:t>
-            </a:r>
-            <a:endParaRPr lang="en-US" altLang="zh-TW" dirty="0" smtClean="0"/>
+              <a:rPr lang="en-US" altLang="zh-TW" dirty="0"/>
+              <a:t>(a) Plot an equal-width histogram of width 10.</a:t>
+            </a:r>
           </a:p>
         </p:txBody>
       </p:sp>
@@ -3207,7 +3146,7 @@
           <a:lstStyle/>
           <a:p>
             <a:r>
-              <a:rPr lang="en-US" altLang="zh-TW" dirty="0" smtClean="0"/>
+              <a:rPr lang="en-US" altLang="zh-TW" dirty="0"/>
               <a:t>Homework Submission</a:t>
             </a:r>
             <a:endParaRPr lang="zh-TW" altLang="en-US" dirty="0"/>
@@ -3230,57 +3169,41 @@
           <a:lstStyle/>
           <a:p>
             <a:r>
-              <a:rPr lang="en-US" altLang="zh-TW" dirty="0" smtClean="0"/>
+              <a:rPr lang="en-US" altLang="zh-TW" dirty="0"/>
               <a:t>For hand-written exercises, please hand in your homework in class (paper version)</a:t>
             </a:r>
           </a:p>
           <a:p>
             <a:pPr lvl="1"/>
             <a:r>
-              <a:rPr lang="en-US" altLang="zh-TW" dirty="0" smtClean="0"/>
+              <a:rPr lang="en-US" altLang="zh-TW" dirty="0"/>
               <a:t>Remember to specify your name and student ID</a:t>
             </a:r>
           </a:p>
           <a:p>
             <a:r>
-              <a:rPr lang="en-US" altLang="zh-TW" dirty="0" smtClean="0"/>
-              <a:t>For those who cannot come to class, please </a:t>
-            </a:r>
-            <a:r>
-              <a:rPr lang="en-US" altLang="zh-TW" dirty="0" smtClean="0"/>
-              <a:t>scan </a:t>
-            </a:r>
-            <a:r>
-              <a:rPr lang="en-US" altLang="zh-TW" dirty="0" smtClean="0"/>
-              <a:t>or </a:t>
-            </a:r>
-            <a:r>
-              <a:rPr lang="en-US" altLang="zh-TW" dirty="0" smtClean="0"/>
-              <a:t>type </a:t>
-            </a:r>
-            <a:r>
-              <a:rPr lang="en-US" altLang="zh-TW" dirty="0" smtClean="0"/>
-              <a:t>your answer for the homework in an electronic file and submit it online to </a:t>
-            </a:r>
-            <a:r>
-              <a:rPr lang="en-US" altLang="zh-TW" dirty="0" err="1" smtClean="0"/>
+              <a:rPr lang="en-US" altLang="zh-TW" dirty="0"/>
+              <a:t>For those who cannot come to class, please scan or type your answer for the homework in an electronic file and submit it online to </a:t>
+            </a:r>
+            <a:r>
+              <a:rPr lang="en-US" altLang="zh-TW" dirty="0" err="1"/>
               <a:t>iSchool</a:t>
             </a:r>
             <a:r>
-              <a:rPr lang="en-US" altLang="zh-TW" dirty="0" smtClean="0"/>
+              <a:rPr lang="en-US" altLang="zh-TW" dirty="0"/>
               <a:t>+</a:t>
             </a:r>
           </a:p>
           <a:p>
             <a:pPr lvl="1"/>
             <a:r>
-              <a:rPr lang="en-US" altLang="zh-TW" dirty="0" smtClean="0"/>
+              <a:rPr lang="en-US" altLang="zh-TW" dirty="0"/>
               <a:t>Under the item [Assignments]\[HW#1]</a:t>
             </a:r>
           </a:p>
           <a:p>
             <a:pPr lvl="1"/>
-            <a:endParaRPr lang="en-US" altLang="zh-TW" dirty="0" smtClean="0"/>
+            <a:endParaRPr lang="en-US" altLang="zh-TW" dirty="0"/>
           </a:p>
           <a:p>
             <a:pPr lvl="1"/>
@@ -3298,13 +3221,6 @@
   <p:clrMapOvr>
     <a:masterClrMapping/>
   </p:clrMapOvr>
-  <p:timing>
-    <p:tnLst>
-      <p:par>
-        <p:cTn id="1" dur="indefinite" restart="never" nodeType="tmRoot"/>
-      </p:par>
-    </p:tnLst>
-  </p:timing>
 </p:sld>
 </file>
 
@@ -3341,7 +3257,7 @@
           <a:lstStyle/>
           <a:p>
             <a:r>
-              <a:rPr lang="en-US" altLang="zh-TW" dirty="0" smtClean="0"/>
+              <a:rPr lang="en-US" altLang="zh-TW" dirty="0"/>
               <a:t>Thanks for Your Attention!</a:t>
             </a:r>
             <a:endParaRPr lang="zh-TW" altLang="en-US" dirty="0"/>
@@ -3377,13 +3293,6 @@
   <p:clrMapOvr>
     <a:masterClrMapping/>
   </p:clrMapOvr>
-  <p:timing>
-    <p:tnLst>
-      <p:par>
-        <p:cTn id="1" dur="indefinite" restart="never" nodeType="tmRoot"/>
-      </p:par>
-    </p:tnLst>
-  </p:timing>
 </p:sld>
 </file>
 
@@ -3420,7 +3329,7 @@
           <a:lstStyle/>
           <a:p>
             <a:r>
-              <a:rPr lang="en-US" altLang="zh-TW" dirty="0" smtClean="0"/>
+              <a:rPr lang="en-US" altLang="zh-TW" dirty="0"/>
               <a:t>Homework #1</a:t>
             </a:r>
             <a:endParaRPr lang="zh-TW" altLang="en-US" dirty="0"/>
@@ -3443,82 +3352,71 @@
           <a:lstStyle/>
           <a:p>
             <a:r>
-              <a:rPr lang="en-US" altLang="zh-TW" dirty="0" smtClean="0"/>
+              <a:rPr lang="en-US" altLang="zh-TW" dirty="0"/>
               <a:t>Chap.2:</a:t>
             </a:r>
           </a:p>
           <a:p>
             <a:pPr lvl="1"/>
             <a:r>
-              <a:rPr lang="en-US" altLang="zh-TW" dirty="0" smtClean="0"/>
+              <a:rPr lang="en-US" altLang="zh-TW" dirty="0"/>
               <a:t>2.2(e)(f)</a:t>
             </a:r>
           </a:p>
           <a:p>
             <a:pPr lvl="1"/>
             <a:r>
-              <a:rPr lang="en-US" altLang="zh-TW" dirty="0" smtClean="0"/>
-              <a:t>2.8(a)(b)</a:t>
-            </a:r>
-          </a:p>
-          <a:p>
-            <a:r>
-              <a:rPr lang="en-US" altLang="zh-TW" dirty="0" smtClean="0"/>
-              <a:t>Chap.3:</a:t>
+              <a:rPr lang="en-US" altLang="zh-TW" dirty="0"/>
+              <a:t>2.11(a)(b)</a:t>
             </a:r>
           </a:p>
           <a:p>
             <a:pPr lvl="1"/>
             <a:r>
-              <a:rPr lang="en-US" altLang="zh-TW" dirty="0" smtClean="0"/>
-              <a:t>3.3(a)(b)</a:t>
+              <a:rPr lang="en-US" altLang="zh-TW" dirty="0"/>
+              <a:t>2.14(a)(b)</a:t>
             </a:r>
           </a:p>
           <a:p>
             <a:pPr lvl="1"/>
             <a:r>
-              <a:rPr lang="en-US" altLang="zh-TW" dirty="0" smtClean="0"/>
-              <a:t>3.7(a)(b)</a:t>
+              <a:rPr lang="en-US" altLang="zh-TW" dirty="0"/>
+              <a:t>2.18(a)(b)</a:t>
             </a:r>
           </a:p>
           <a:p>
             <a:pPr lvl="1"/>
             <a:r>
-              <a:rPr lang="en-US" altLang="zh-TW" dirty="0" smtClean="0"/>
-              <a:t>3.8(b)</a:t>
+              <a:rPr lang="en-US" altLang="zh-TW" dirty="0"/>
+              <a:t>2.19(b)</a:t>
             </a:r>
           </a:p>
           <a:p>
             <a:pPr lvl="1"/>
             <a:r>
-              <a:rPr lang="en-US" altLang="zh-TW" dirty="0" smtClean="0"/>
-              <a:t>3.11(a)</a:t>
-            </a:r>
-            <a:endParaRPr lang="en-US" altLang="zh-TW" dirty="0" smtClean="0"/>
-          </a:p>
-          <a:p>
-            <a:r>
-              <a:rPr lang="en-US" altLang="zh-TW" dirty="0" smtClean="0"/>
+              <a:rPr lang="en-US" altLang="zh-TW"/>
+              <a:t>2.22(</a:t>
+            </a:r>
+            <a:r>
+              <a:rPr lang="en-US" altLang="zh-TW" dirty="0"/>
+              <a:t>a)</a:t>
+            </a:r>
+          </a:p>
+          <a:p>
+            <a:r>
+              <a:rPr lang="en-US" altLang="zh-TW" dirty="0"/>
               <a:t>Due: 2 weeks (</a:t>
             </a:r>
             <a:r>
-              <a:rPr lang="en-US" altLang="zh-TW" dirty="0" smtClean="0">
+              <a:rPr lang="en-US" altLang="zh-TW" dirty="0">
                 <a:solidFill>
                   <a:srgbClr val="FF0000"/>
                 </a:solidFill>
               </a:rPr>
-              <a:t>Oct. 17, </a:t>
-            </a:r>
-            <a:r>
-              <a:rPr lang="en-US" altLang="zh-TW" dirty="0" smtClean="0">
-                <a:solidFill>
-                  <a:srgbClr val="FF0000"/>
-                </a:solidFill>
-              </a:rPr>
-              <a:t>2023</a:t>
-            </a:r>
-            <a:r>
-              <a:rPr lang="en-US" altLang="zh-TW" dirty="0" smtClean="0"/>
+              <a:t>Oct. 14, 2024</a:t>
+            </a:r>
+            <a:r>
+              <a:rPr lang="en-US" altLang="zh-TW" dirty="0"/>
               <a:t>)</a:t>
             </a:r>
             <a:endParaRPr lang="zh-TW" altLang="en-US" dirty="0"/>
@@ -3535,13 +3433,6 @@
   <p:clrMapOvr>
     <a:masterClrMapping/>
   </p:clrMapOvr>
-  <p:timing>
-    <p:tnLst>
-      <p:par>
-        <p:cTn id="1" dur="indefinite" restart="never" nodeType="tmRoot"/>
-      </p:par>
-    </p:tnLst>
-  </p:timing>
 </p:sld>
 </file>
 
@@ -3603,12 +3494,8 @@
           <a:lstStyle/>
           <a:p>
             <a:r>
-              <a:rPr lang="en-US" altLang="zh-TW" dirty="0" smtClean="0"/>
-              <a:t>2.2: </a:t>
-            </a:r>
-            <a:r>
-              <a:rPr lang="en-US" altLang="zh-TW" dirty="0"/>
-              <a:t>Suppose that the data for analysis includes the attribute </a:t>
+              <a:rPr lang="en-US" altLang="zh-TW" dirty="0"/>
+              <a:t>2.2: Suppose that the data for analysis includes the attribute </a:t>
             </a:r>
             <a:r>
               <a:rPr lang="en-US" altLang="zh-TW" i="1" dirty="0"/>
@@ -3624,31 +3511,7 @@
             </a:r>
             <a:r>
               <a:rPr lang="en-US" altLang="zh-TW" dirty="0"/>
-              <a:t>values for the </a:t>
-            </a:r>
-            <a:r>
-              <a:rPr lang="en-US" altLang="zh-TW" dirty="0" smtClean="0"/>
-              <a:t>data tuples </a:t>
-            </a:r>
-            <a:r>
-              <a:rPr lang="en-US" altLang="zh-TW" dirty="0"/>
-              <a:t>are (in increasing order</a:t>
-            </a:r>
-            <a:r>
-              <a:rPr lang="en-US" altLang="zh-TW" dirty="0" smtClean="0"/>
-              <a:t>): 13</a:t>
-            </a:r>
-            <a:r>
-              <a:rPr lang="en-US" altLang="zh-TW" dirty="0"/>
-              <a:t>, 15, 16, 16, 19, 20, 20, 21, 22, 22, 25, 25, 25, 25, </a:t>
-            </a:r>
-            <a:r>
-              <a:rPr lang="en-US" altLang="zh-TW" dirty="0" smtClean="0"/>
-              <a:t>30, 33</a:t>
-            </a:r>
-            <a:r>
-              <a:rPr lang="en-US" altLang="zh-TW" dirty="0"/>
-              <a:t>, 33, 35, 35, 35, 35, 36, 40, 45, 46, 52, 70.</a:t>
+              <a:t>values for the data tuples are (in increasing order): 13, 15, 16, 16, 19, 20, 20, 21, 22, 22, 25, 25, 25, 25, 30, 33, 33, 35, 35, 35, 35, 36, 40, 45, 46, 52, 70.</a:t>
             </a:r>
           </a:p>
           <a:p>
@@ -3747,25 +3610,21 @@
           <a:lstStyle/>
           <a:p>
             <a:r>
-              <a:rPr lang="en-US" altLang="zh-TW" dirty="0" smtClean="0"/>
-              <a:t>2.8: It is important to define or select similarity measures in data analysis. However, there is no commonly accepted subjective similarity measure. Results can vary depending on the similarity measures used. Nonetheless, seemingly different similarity measures may be equivalent after some transformation.</a:t>
+              <a:rPr lang="en-US" altLang="zh-TW" dirty="0"/>
+              <a:t>2.11: It is important to define or select similarity measures in data analysis. However, there is no commonly accepted subjective similarity measure. Results can vary depending on the similarity measures used. Nonetheless, seemingly different similarity measures may be equivalent after some transformation.</a:t>
             </a:r>
             <a:br>
-              <a:rPr lang="en-US" altLang="zh-TW" dirty="0" smtClean="0"/>
+              <a:rPr lang="en-US" altLang="zh-TW" dirty="0"/>
             </a:br>
-            <a:r>
-              <a:rPr lang="en-US" altLang="zh-TW" dirty="0" smtClean="0"/>
-              <a:t/>
-            </a:r>
             <a:br>
-              <a:rPr lang="en-US" altLang="zh-TW" dirty="0" smtClean="0"/>
+              <a:rPr lang="en-US" altLang="zh-TW" dirty="0"/>
             </a:br>
             <a:r>
-              <a:rPr lang="en-US" altLang="zh-TW" dirty="0" smtClean="0"/>
+              <a:rPr lang="en-US" altLang="zh-TW" dirty="0"/>
               <a:t>(to be continued…)</a:t>
             </a:r>
             <a:br>
-              <a:rPr lang="en-US" altLang="zh-TW" dirty="0" smtClean="0"/>
+              <a:rPr lang="en-US" altLang="zh-TW" dirty="0"/>
             </a:br>
             <a:endParaRPr lang="zh-TW" altLang="en-US" dirty="0"/>
           </a:p>
@@ -3781,13 +3640,6 @@
   <p:clrMapOvr>
     <a:masterClrMapping/>
   </p:clrMapOvr>
-  <p:timing>
-    <p:tnLst>
-      <p:par>
-        <p:cTn id="1" dur="indefinite" restart="never" nodeType="tmRoot"/>
-      </p:par>
-    </p:tnLst>
-  </p:timing>
 </p:sld>
 </file>
 
@@ -3845,48 +3697,32 @@
           <a:lstStyle/>
           <a:p>
             <a:r>
-              <a:rPr lang="en-US" altLang="zh-TW" dirty="0" smtClean="0"/>
+              <a:rPr lang="en-US" altLang="zh-TW" dirty="0"/>
               <a:t>(… continued from the previous slide)</a:t>
             </a:r>
             <a:br>
-              <a:rPr lang="en-US" altLang="zh-TW" dirty="0" smtClean="0"/>
+              <a:rPr lang="en-US" altLang="zh-TW" dirty="0"/>
             </a:br>
-            <a:r>
-              <a:rPr lang="en-US" altLang="zh-TW" dirty="0" smtClean="0"/>
-              <a:t/>
-            </a:r>
             <a:br>
-              <a:rPr lang="en-US" altLang="zh-TW" dirty="0" smtClean="0"/>
+              <a:rPr lang="en-US" altLang="zh-TW" dirty="0"/>
             </a:br>
             <a:r>
-              <a:rPr lang="en-US" altLang="zh-TW" dirty="0" smtClean="0"/>
-              <a:t>Suppose </a:t>
-            </a:r>
-            <a:r>
-              <a:rPr lang="en-US" altLang="zh-TW" dirty="0"/>
-              <a:t>we have the following 2-D data set</a:t>
-            </a:r>
-            <a:r>
-              <a:rPr lang="en-US" altLang="zh-TW" dirty="0" smtClean="0"/>
-              <a:t>:</a:t>
+              <a:rPr lang="en-US" altLang="zh-TW" dirty="0"/>
+              <a:t>Suppose we have the following 2-D data set:</a:t>
             </a:r>
           </a:p>
           <a:p>
             <a:pPr lvl="1"/>
             <a:r>
-              <a:rPr lang="en-US" altLang="zh-TW" dirty="0" smtClean="0"/>
+              <a:rPr lang="en-US" altLang="zh-TW" dirty="0"/>
               <a:t>(a) Consider the data as 2-D data points. Given a new data point, x=(1.4,1.6) as a query, rank the database points based on similarity with the query using Euclidean distance, Manhattan distance, supremum distance, and cosine similarity.</a:t>
             </a:r>
-            <a:endParaRPr lang="zh-TW" altLang="en-US" dirty="0" smtClean="0"/>
-          </a:p>
-          <a:p>
-            <a:r>
-              <a:rPr lang="en-US" altLang="zh-TW" dirty="0" smtClean="0"/>
-              <a:t>(</a:t>
-            </a:r>
-            <a:r>
-              <a:rPr lang="en-US" altLang="zh-TW" dirty="0"/>
-              <a:t>to be continued…)</a:t>
+            <a:endParaRPr lang="zh-TW" altLang="en-US" dirty="0"/>
+          </a:p>
+          <a:p>
+            <a:r>
+              <a:rPr lang="en-US" altLang="zh-TW" dirty="0"/>
+              <a:t>(to be continued…)</a:t>
             </a:r>
             <a:endParaRPr lang="zh-TW" altLang="en-US" dirty="0"/>
           </a:p>
@@ -3957,7 +3793,7 @@
                     <a:lstStyle/>
                     <a:p>
                       <a:r>
-                        <a:rPr lang="en-US" altLang="zh-TW" dirty="0" smtClean="0"/>
+                        <a:rPr lang="en-US" altLang="zh-TW" dirty="0"/>
                         <a:t>A1</a:t>
                       </a:r>
                       <a:endParaRPr lang="zh-TW" altLang="en-US" dirty="0"/>
@@ -3971,7 +3807,7 @@
                     <a:lstStyle/>
                     <a:p>
                       <a:r>
-                        <a:rPr lang="en-US" altLang="zh-TW" dirty="0" smtClean="0"/>
+                        <a:rPr lang="en-US" altLang="zh-TW" dirty="0"/>
                         <a:t>A2</a:t>
                       </a:r>
                       <a:endParaRPr lang="zh-TW" altLang="en-US" dirty="0"/>
@@ -3992,7 +3828,7 @@
                     <a:lstStyle/>
                     <a:p>
                       <a:r>
-                        <a:rPr lang="en-US" altLang="zh-TW" dirty="0" smtClean="0"/>
+                        <a:rPr lang="en-US" altLang="zh-TW" dirty="0"/>
                         <a:t>x1</a:t>
                       </a:r>
                       <a:endParaRPr lang="zh-TW" altLang="en-US" dirty="0"/>
@@ -4006,7 +3842,7 @@
                     <a:lstStyle/>
                     <a:p>
                       <a:r>
-                        <a:rPr lang="en-US" altLang="zh-TW" dirty="0" smtClean="0"/>
+                        <a:rPr lang="en-US" altLang="zh-TW" dirty="0"/>
                         <a:t>1.5</a:t>
                       </a:r>
                       <a:endParaRPr lang="zh-TW" altLang="en-US" dirty="0"/>
@@ -4020,7 +3856,7 @@
                     <a:lstStyle/>
                     <a:p>
                       <a:r>
-                        <a:rPr lang="en-US" altLang="zh-TW" dirty="0" smtClean="0"/>
+                        <a:rPr lang="en-US" altLang="zh-TW" dirty="0"/>
                         <a:t>1.7</a:t>
                       </a:r>
                       <a:endParaRPr lang="zh-TW" altLang="en-US" dirty="0"/>
@@ -4041,7 +3877,7 @@
                     <a:lstStyle/>
                     <a:p>
                       <a:r>
-                        <a:rPr lang="en-US" altLang="zh-TW" dirty="0" smtClean="0"/>
+                        <a:rPr lang="en-US" altLang="zh-TW" dirty="0"/>
                         <a:t>x2</a:t>
                       </a:r>
                       <a:endParaRPr lang="zh-TW" altLang="en-US" dirty="0"/>
@@ -4055,7 +3891,7 @@
                     <a:lstStyle/>
                     <a:p>
                       <a:r>
-                        <a:rPr lang="en-US" altLang="zh-TW" dirty="0" smtClean="0"/>
+                        <a:rPr lang="en-US" altLang="zh-TW" dirty="0"/>
                         <a:t>2</a:t>
                       </a:r>
                       <a:endParaRPr lang="zh-TW" altLang="en-US" dirty="0"/>
@@ -4069,7 +3905,7 @@
                     <a:lstStyle/>
                     <a:p>
                       <a:r>
-                        <a:rPr lang="en-US" altLang="zh-TW" dirty="0" smtClean="0"/>
+                        <a:rPr lang="en-US" altLang="zh-TW" dirty="0"/>
                         <a:t>1.9</a:t>
                       </a:r>
                       <a:endParaRPr lang="zh-TW" altLang="en-US" dirty="0"/>
@@ -4090,7 +3926,7 @@
                     <a:lstStyle/>
                     <a:p>
                       <a:r>
-                        <a:rPr lang="en-US" altLang="zh-TW" dirty="0" smtClean="0"/>
+                        <a:rPr lang="en-US" altLang="zh-TW" dirty="0"/>
                         <a:t>x3</a:t>
                       </a:r>
                       <a:endParaRPr lang="zh-TW" altLang="en-US" dirty="0"/>
@@ -4104,7 +3940,7 @@
                     <a:lstStyle/>
                     <a:p>
                       <a:r>
-                        <a:rPr lang="en-US" altLang="zh-TW" dirty="0" smtClean="0"/>
+                        <a:rPr lang="en-US" altLang="zh-TW" dirty="0"/>
                         <a:t>1.6</a:t>
                       </a:r>
                       <a:endParaRPr lang="zh-TW" altLang="en-US" dirty="0"/>
@@ -4118,7 +3954,7 @@
                     <a:lstStyle/>
                     <a:p>
                       <a:r>
-                        <a:rPr lang="en-US" altLang="zh-TW" dirty="0" smtClean="0"/>
+                        <a:rPr lang="en-US" altLang="zh-TW" dirty="0"/>
                         <a:t>1.8</a:t>
                       </a:r>
                       <a:endParaRPr lang="zh-TW" altLang="en-US" dirty="0"/>
@@ -4139,7 +3975,7 @@
                     <a:lstStyle/>
                     <a:p>
                       <a:r>
-                        <a:rPr lang="en-US" altLang="zh-TW" dirty="0" smtClean="0"/>
+                        <a:rPr lang="en-US" altLang="zh-TW" dirty="0"/>
                         <a:t>x4</a:t>
                       </a:r>
                       <a:endParaRPr lang="zh-TW" altLang="en-US" dirty="0"/>
@@ -4153,7 +3989,7 @@
                     <a:lstStyle/>
                     <a:p>
                       <a:r>
-                        <a:rPr lang="en-US" altLang="zh-TW" dirty="0" smtClean="0"/>
+                        <a:rPr lang="en-US" altLang="zh-TW" dirty="0"/>
                         <a:t>1.2</a:t>
                       </a:r>
                       <a:endParaRPr lang="zh-TW" altLang="en-US" dirty="0"/>
@@ -4167,7 +4003,7 @@
                     <a:lstStyle/>
                     <a:p>
                       <a:r>
-                        <a:rPr lang="en-US" altLang="zh-TW" dirty="0" smtClean="0"/>
+                        <a:rPr lang="en-US" altLang="zh-TW" dirty="0"/>
                         <a:t>1.5</a:t>
                       </a:r>
                       <a:endParaRPr lang="zh-TW" altLang="en-US" dirty="0"/>
@@ -4188,7 +4024,7 @@
                     <a:lstStyle/>
                     <a:p>
                       <a:r>
-                        <a:rPr lang="en-US" altLang="zh-TW" dirty="0" smtClean="0"/>
+                        <a:rPr lang="en-US" altLang="zh-TW" dirty="0"/>
                         <a:t>x5</a:t>
                       </a:r>
                       <a:endParaRPr lang="zh-TW" altLang="en-US" dirty="0"/>
@@ -4202,7 +4038,7 @@
                     <a:lstStyle/>
                     <a:p>
                       <a:r>
-                        <a:rPr lang="en-US" altLang="zh-TW" dirty="0" smtClean="0"/>
+                        <a:rPr lang="en-US" altLang="zh-TW" dirty="0"/>
                         <a:t>1.5</a:t>
                       </a:r>
                       <a:endParaRPr lang="zh-TW" altLang="en-US" dirty="0"/>
@@ -4216,7 +4052,7 @@
                     <a:lstStyle/>
                     <a:p>
                       <a:r>
-                        <a:rPr lang="en-US" altLang="zh-TW" dirty="0" smtClean="0"/>
+                        <a:rPr lang="en-US" altLang="zh-TW" dirty="0"/>
                         <a:t>1.0</a:t>
                       </a:r>
                       <a:endParaRPr lang="zh-TW" altLang="en-US" dirty="0"/>
@@ -4244,13 +4080,6 @@
   <p:clrMapOvr>
     <a:masterClrMapping/>
   </p:clrMapOvr>
-  <p:timing>
-    <p:tnLst>
-      <p:par>
-        <p:cTn id="1" dur="indefinite" restart="never" nodeType="tmRoot"/>
-      </p:par>
-    </p:tnLst>
-  </p:timing>
 </p:sld>
 </file>
 
@@ -4307,11 +4136,7 @@
           <a:p>
             <a:r>
               <a:rPr lang="en-US" altLang="zh-TW" dirty="0"/>
-              <a:t>(… continued from the previous slide</a:t>
-            </a:r>
-            <a:r>
-              <a:rPr lang="en-US" altLang="zh-TW" dirty="0" smtClean="0"/>
-              <a:t>)</a:t>
+              <a:t>(… continued from the previous slide)</a:t>
             </a:r>
           </a:p>
           <a:p>
@@ -4320,23 +4145,7 @@
           <a:p>
             <a:r>
               <a:rPr lang="en-US" altLang="zh-TW" dirty="0"/>
-              <a:t>(b) Normalize the data set to make the </a:t>
-            </a:r>
-            <a:r>
-              <a:rPr lang="en-US" altLang="zh-TW" dirty="0" smtClean="0"/>
-              <a:t>(Euclidean) norm of </a:t>
-            </a:r>
-            <a:r>
-              <a:rPr lang="en-US" altLang="zh-TW" dirty="0"/>
-              <a:t>each data point equal to 1. Use </a:t>
-            </a:r>
-            <a:r>
-              <a:rPr lang="en-US" altLang="zh-TW" dirty="0" smtClean="0"/>
-              <a:t>Euclidean distance </a:t>
-            </a:r>
-            <a:r>
-              <a:rPr lang="en-US" altLang="zh-TW" dirty="0"/>
-              <a:t>on the transformed data to rank the data points.</a:t>
+              <a:t>(b) Normalize the data set to make the (Euclidean) norm of each data point equal to 1. Use Euclidean distance on the transformed data to rank the data points.</a:t>
             </a:r>
             <a:endParaRPr lang="zh-TW" altLang="en-US" dirty="0"/>
           </a:p>
@@ -4387,10 +4196,6 @@
           <a:bodyPr/>
           <a:lstStyle/>
           <a:p>
-            <a:r>
-              <a:rPr lang="en-US" altLang="zh-TW" dirty="0" smtClean="0"/>
-              <a:t>Exercises for Chap.3</a:t>
-            </a:r>
             <a:endParaRPr lang="zh-TW" altLang="en-US" dirty="0"/>
           </a:p>
         </p:txBody>
@@ -4413,12 +4218,8 @@
           <a:lstStyle/>
           <a:p>
             <a:r>
-              <a:rPr lang="en-US" altLang="zh-TW" dirty="0" smtClean="0"/>
-              <a:t>3.3: </a:t>
-            </a:r>
-            <a:r>
-              <a:rPr lang="en-US" altLang="zh-TW" dirty="0"/>
-              <a:t>Exercise 2.2 gave the following data (in increasing order) for the attribute </a:t>
+              <a:rPr lang="en-US" altLang="zh-TW" dirty="0"/>
+              <a:t>2.14: Given the following data (in increasing order) for the attribute </a:t>
             </a:r>
             <a:r>
               <a:rPr lang="en-US" altLang="zh-TW" i="1" dirty="0"/>
@@ -4426,25 +4227,8 @@
             </a:r>
             <a:r>
               <a:rPr lang="en-US" altLang="zh-TW" dirty="0"/>
-              <a:t>: 13, </a:t>
-            </a:r>
-            <a:r>
-              <a:rPr lang="en-US" altLang="zh-TW" dirty="0" smtClean="0"/>
-              <a:t>15, 16</a:t>
-            </a:r>
-            <a:r>
-              <a:rPr lang="en-US" altLang="zh-TW" dirty="0"/>
-              <a:t>, 16, 19, 20, 20, 21, 22, 22, 25, 25, 25, 25, 30, 33, 33, 35, 35, 35, 35, 36, 40, 45, </a:t>
-            </a:r>
-            <a:r>
-              <a:rPr lang="en-US" altLang="zh-TW" dirty="0" smtClean="0"/>
-              <a:t>46, 52</a:t>
-            </a:r>
-            <a:r>
-              <a:rPr lang="en-US" altLang="zh-TW" dirty="0"/>
-              <a:t>, 70. </a:t>
-            </a:r>
-            <a:endParaRPr lang="en-US" altLang="zh-TW" dirty="0" smtClean="0"/>
+              <a:t>: 13, 15, 16, 16, 19, 20, 20, 21, 22, 22, 25, 25, 25, 25, 30, 33, 33, 35, 35, 35, 35, 36, 40, 45, 46, 52, 70. </a:t>
+            </a:r>
           </a:p>
           <a:p>
             <a:r>
@@ -4457,15 +4241,7 @@
             </a:r>
             <a:r>
               <a:rPr lang="en-US" altLang="zh-TW" dirty="0"/>
-              <a:t>to smooth these data, using a bin depth of 3. </a:t>
-            </a:r>
-            <a:r>
-              <a:rPr lang="en-US" altLang="zh-TW" dirty="0" smtClean="0"/>
-              <a:t>Illustrate your </a:t>
-            </a:r>
-            <a:r>
-              <a:rPr lang="en-US" altLang="zh-TW" dirty="0"/>
-              <a:t>steps. Comment on the effect of this technique for the given data.</a:t>
+              <a:t>to smooth these data, using equal-frequency bins of size 3. Illustrate your steps. Comment on the effect of this technique for the given data.</a:t>
             </a:r>
           </a:p>
           <a:p>
@@ -4479,15 +4255,11 @@
             </a:r>
             <a:r>
               <a:rPr lang="en-US" altLang="zh-TW" dirty="0"/>
-              <a:t>in the data</a:t>
-            </a:r>
-            <a:r>
-              <a:rPr lang="en-US" altLang="zh-TW" dirty="0" smtClean="0"/>
-              <a:t>?</a:t>
-            </a:r>
-          </a:p>
-          <a:p>
-            <a:endParaRPr lang="en-US" altLang="zh-TW" dirty="0" smtClean="0"/>
+              <a:t>in the data?</a:t>
+            </a:r>
+          </a:p>
+          <a:p>
+            <a:endParaRPr lang="en-US" altLang="zh-TW" dirty="0"/>
           </a:p>
         </p:txBody>
       </p:sp>
@@ -4501,13 +4273,6 @@
   <p:clrMapOvr>
     <a:masterClrMapping/>
   </p:clrMapOvr>
-  <p:timing>
-    <p:tnLst>
-      <p:par>
-        <p:cTn id="1" dur="indefinite" restart="never" nodeType="tmRoot"/>
-      </p:par>
-    </p:tnLst>
-  </p:timing>
 </p:sld>
 </file>
 
@@ -4565,12 +4330,8 @@
           <a:lstStyle/>
           <a:p>
             <a:r>
-              <a:rPr lang="en-US" altLang="zh-TW" dirty="0" smtClean="0"/>
-              <a:t>3.7: </a:t>
-            </a:r>
-            <a:r>
-              <a:rPr lang="en-US" altLang="zh-TW" dirty="0"/>
-              <a:t>Using the data for </a:t>
+              <a:rPr lang="en-US" altLang="zh-TW" dirty="0"/>
+              <a:t>2.18: Using the data for </a:t>
             </a:r>
             <a:r>
               <a:rPr lang="en-US" altLang="zh-TW" i="1" dirty="0"/>
@@ -4578,7 +4339,7 @@
             </a:r>
             <a:r>
               <a:rPr lang="en-US" altLang="zh-TW" dirty="0"/>
-              <a:t>given in Exercise 3.3, answer the following:</a:t>
+              <a:t>given in Exercise 2.14, answer the following:</a:t>
             </a:r>
           </a:p>
           <a:p>
@@ -4592,15 +4353,7 @@
             </a:r>
             <a:r>
               <a:rPr lang="en-US" altLang="zh-TW" dirty="0"/>
-              <a:t>onto the </a:t>
-            </a:r>
-            <a:r>
-              <a:rPr lang="en-US" altLang="zh-TW" dirty="0" smtClean="0"/>
-              <a:t>range [0.0</a:t>
-            </a:r>
-            <a:r>
-              <a:rPr lang="en-US" altLang="zh-TW" dirty="0"/>
-              <a:t>, 1.0].</a:t>
+              <a:t>onto the range [0.0, 1.0].</a:t>
             </a:r>
           </a:p>
           <a:p>
@@ -4614,15 +4367,7 @@
             </a:r>
             <a:r>
               <a:rPr lang="en-US" altLang="zh-TW" dirty="0"/>
-              <a:t>, where the </a:t>
-            </a:r>
-            <a:r>
-              <a:rPr lang="en-US" altLang="zh-TW" dirty="0" smtClean="0"/>
-              <a:t>standard deviation </a:t>
-            </a:r>
-            <a:r>
-              <a:rPr lang="en-US" altLang="zh-TW" dirty="0"/>
-              <a:t>of </a:t>
+              <a:t>, where the standard deviation of </a:t>
             </a:r>
             <a:r>
               <a:rPr lang="en-US" altLang="zh-TW" i="1" dirty="0"/>
@@ -4630,7 +4375,7 @@
             </a:r>
             <a:r>
               <a:rPr lang="en-US" altLang="zh-TW" dirty="0"/>
-              <a:t>is 12.94 years.</a:t>
+              <a:t>is 12.70 years.</a:t>
             </a:r>
             <a:endParaRPr lang="zh-TW" altLang="en-US" dirty="0"/>
           </a:p>
@@ -4646,13 +4391,6 @@
   <p:clrMapOvr>
     <a:masterClrMapping/>
   </p:clrMapOvr>
-  <p:timing>
-    <p:tnLst>
-      <p:par>
-        <p:cTn id="1" dur="indefinite" restart="never" nodeType="tmRoot"/>
-      </p:par>
-    </p:tnLst>
-  </p:timing>
 </p:sld>
 </file>
 
@@ -4708,55 +4446,35 @@
           <a:lstStyle/>
           <a:p>
             <a:r>
-              <a:rPr lang="en-US" altLang="zh-TW" dirty="0" smtClean="0"/>
-              <a:t>3.8: </a:t>
-            </a:r>
-            <a:r>
-              <a:rPr lang="en-US" altLang="zh-TW" dirty="0" smtClean="0"/>
-              <a:t>Using the data for </a:t>
-            </a:r>
-            <a:r>
-              <a:rPr lang="en-US" altLang="zh-TW" i="1" dirty="0" smtClean="0"/>
+              <a:rPr lang="en-US" altLang="zh-TW" dirty="0"/>
+              <a:t>2.19: Using the data for </a:t>
+            </a:r>
+            <a:r>
+              <a:rPr lang="en-US" altLang="zh-TW" i="1" dirty="0"/>
               <a:t>age </a:t>
             </a:r>
             <a:r>
-              <a:rPr lang="en-US" altLang="zh-TW" dirty="0" smtClean="0"/>
+              <a:rPr lang="en-US" altLang="zh-TW" dirty="0"/>
               <a:t>and </a:t>
             </a:r>
             <a:r>
-              <a:rPr lang="en-US" altLang="zh-TW" i="1" dirty="0" smtClean="0"/>
+              <a:rPr lang="en-US" altLang="zh-TW" i="1" dirty="0"/>
               <a:t>body fat </a:t>
             </a:r>
             <a:r>
-              <a:rPr lang="en-US" altLang="zh-TW" dirty="0" smtClean="0"/>
-              <a:t>given in Exercise 2.4, answer the following</a:t>
-            </a:r>
-            <a:r>
-              <a:rPr lang="en-US" altLang="zh-TW" dirty="0" smtClean="0"/>
-              <a:t>:</a:t>
+              <a:rPr lang="en-US" altLang="zh-TW" dirty="0"/>
+              <a:t>given in Exercise 2.7, answer the following:</a:t>
             </a:r>
             <a:br>
-              <a:rPr lang="en-US" altLang="zh-TW" dirty="0" smtClean="0"/>
+              <a:rPr lang="en-US" altLang="zh-TW" dirty="0"/>
             </a:br>
-            <a:r>
-              <a:rPr lang="en-US" altLang="zh-TW" dirty="0" smtClean="0"/>
-              <a:t/>
-            </a:r>
             <a:br>
-              <a:rPr lang="en-US" altLang="zh-TW" dirty="0" smtClean="0"/>
+              <a:rPr lang="en-US" altLang="zh-TW" dirty="0"/>
             </a:br>
-            <a:r>
-              <a:rPr lang="en-US" altLang="zh-TW" dirty="0" smtClean="0"/>
-              <a:t/>
-            </a:r>
             <a:br>
-              <a:rPr lang="en-US" altLang="zh-TW" dirty="0" smtClean="0"/>
+              <a:rPr lang="en-US" altLang="zh-TW" dirty="0"/>
             </a:br>
-            <a:endParaRPr lang="en-US" altLang="zh-TW" dirty="0" smtClean="0"/>
-          </a:p>
-          <a:p>
-            <a:pPr lvl="1"/>
-            <a:endParaRPr lang="en-US" altLang="zh-TW" dirty="0" smtClean="0"/>
+            <a:endParaRPr lang="en-US" altLang="zh-TW" dirty="0"/>
           </a:p>
           <a:p>
             <a:pPr lvl="1"/>
@@ -4764,13 +4482,13 @@
           </a:p>
           <a:p>
             <a:pPr lvl="1"/>
-            <a:r>
-              <a:rPr lang="en-US" altLang="zh-TW" dirty="0" smtClean="0"/>
-              <a:t>(</a:t>
-            </a:r>
-            <a:r>
-              <a:rPr lang="en-US" altLang="zh-TW" dirty="0"/>
-              <a:t>b) Calculate the </a:t>
+            <a:endParaRPr lang="en-US" altLang="zh-TW" dirty="0"/>
+          </a:p>
+          <a:p>
+            <a:pPr lvl="1"/>
+            <a:r>
+              <a:rPr lang="en-US" altLang="zh-TW" dirty="0"/>
+              <a:t>(b) Calculate the </a:t>
             </a:r>
             <a:r>
               <a:rPr lang="en-US" altLang="zh-TW" i="1" dirty="0"/>
@@ -4778,15 +4496,7 @@
             </a:r>
             <a:r>
               <a:rPr lang="en-US" altLang="zh-TW" dirty="0"/>
-              <a:t>(Pearson’s product moment coefficient). </a:t>
-            </a:r>
-            <a:r>
-              <a:rPr lang="en-US" altLang="zh-TW" dirty="0" smtClean="0"/>
-              <a:t>Are these </a:t>
-            </a:r>
-            <a:r>
-              <a:rPr lang="en-US" altLang="zh-TW" dirty="0"/>
-              <a:t>two attributes positively or negatively correlated? Compute their covariance.</a:t>
+              <a:t>(Pearson’s product moment coefficient). Are these two attributes positively or negatively correlated? Compute their covariance.</a:t>
             </a:r>
             <a:endParaRPr lang="zh-TW" altLang="en-US" dirty="0"/>
           </a:p>
@@ -4832,13 +4542,6 @@
   <p:clrMapOvr>
     <a:masterClrMapping/>
   </p:clrMapOvr>
-  <p:timing>
-    <p:tnLst>
-      <p:par>
-        <p:cTn id="1" dur="indefinite" restart="never" nodeType="tmRoot"/>
-      </p:par>
-    </p:tnLst>
-  </p:timing>
 </p:sld>
 </file>
 

--- a/EDM/HW1.pptx
+++ b/EDM/HW1.pptx
@@ -252,7 +252,7 @@
           <a:p>
             <a:fld id="{9553D06D-798D-41B2-8E09-945CDEC492DF}" type="datetimeFigureOut">
               <a:rPr lang="zh-TW" altLang="en-US" smtClean="0"/>
-              <a:t>2024/9/29</a:t>
+              <a:t>2024/9/30</a:t>
             </a:fld>
             <a:endParaRPr lang="zh-TW" altLang="en-US"/>
           </a:p>
@@ -420,7 +420,7 @@
           <a:p>
             <a:fld id="{9553D06D-798D-41B2-8E09-945CDEC492DF}" type="datetimeFigureOut">
               <a:rPr lang="zh-TW" altLang="en-US" smtClean="0"/>
-              <a:t>2024/9/29</a:t>
+              <a:t>2024/9/30</a:t>
             </a:fld>
             <a:endParaRPr lang="zh-TW" altLang="en-US"/>
           </a:p>
@@ -598,7 +598,7 @@
           <a:p>
             <a:fld id="{9553D06D-798D-41B2-8E09-945CDEC492DF}" type="datetimeFigureOut">
               <a:rPr lang="zh-TW" altLang="en-US" smtClean="0"/>
-              <a:t>2024/9/29</a:t>
+              <a:t>2024/9/30</a:t>
             </a:fld>
             <a:endParaRPr lang="zh-TW" altLang="en-US"/>
           </a:p>
@@ -766,7 +766,7 @@
           <a:p>
             <a:fld id="{9553D06D-798D-41B2-8E09-945CDEC492DF}" type="datetimeFigureOut">
               <a:rPr lang="zh-TW" altLang="en-US" smtClean="0"/>
-              <a:t>2024/9/29</a:t>
+              <a:t>2024/9/30</a:t>
             </a:fld>
             <a:endParaRPr lang="zh-TW" altLang="en-US"/>
           </a:p>
@@ -1011,7 +1011,7 @@
           <a:p>
             <a:fld id="{9553D06D-798D-41B2-8E09-945CDEC492DF}" type="datetimeFigureOut">
               <a:rPr lang="zh-TW" altLang="en-US" smtClean="0"/>
-              <a:t>2024/9/29</a:t>
+              <a:t>2024/9/30</a:t>
             </a:fld>
             <a:endParaRPr lang="zh-TW" altLang="en-US"/>
           </a:p>
@@ -1240,7 +1240,7 @@
           <a:p>
             <a:fld id="{9553D06D-798D-41B2-8E09-945CDEC492DF}" type="datetimeFigureOut">
               <a:rPr lang="zh-TW" altLang="en-US" smtClean="0"/>
-              <a:t>2024/9/29</a:t>
+              <a:t>2024/9/30</a:t>
             </a:fld>
             <a:endParaRPr lang="zh-TW" altLang="en-US"/>
           </a:p>
@@ -1604,7 +1604,7 @@
           <a:p>
             <a:fld id="{9553D06D-798D-41B2-8E09-945CDEC492DF}" type="datetimeFigureOut">
               <a:rPr lang="zh-TW" altLang="en-US" smtClean="0"/>
-              <a:t>2024/9/29</a:t>
+              <a:t>2024/9/30</a:t>
             </a:fld>
             <a:endParaRPr lang="zh-TW" altLang="en-US"/>
           </a:p>
@@ -1721,7 +1721,7 @@
           <a:p>
             <a:fld id="{9553D06D-798D-41B2-8E09-945CDEC492DF}" type="datetimeFigureOut">
               <a:rPr lang="zh-TW" altLang="en-US" smtClean="0"/>
-              <a:t>2024/9/29</a:t>
+              <a:t>2024/9/30</a:t>
             </a:fld>
             <a:endParaRPr lang="zh-TW" altLang="en-US"/>
           </a:p>
@@ -1816,7 +1816,7 @@
           <a:p>
             <a:fld id="{9553D06D-798D-41B2-8E09-945CDEC492DF}" type="datetimeFigureOut">
               <a:rPr lang="zh-TW" altLang="en-US" smtClean="0"/>
-              <a:t>2024/9/29</a:t>
+              <a:t>2024/9/30</a:t>
             </a:fld>
             <a:endParaRPr lang="zh-TW" altLang="en-US"/>
           </a:p>
@@ -2091,7 +2091,7 @@
           <a:p>
             <a:fld id="{9553D06D-798D-41B2-8E09-945CDEC492DF}" type="datetimeFigureOut">
               <a:rPr lang="zh-TW" altLang="en-US" smtClean="0"/>
-              <a:t>2024/9/29</a:t>
+              <a:t>2024/9/30</a:t>
             </a:fld>
             <a:endParaRPr lang="zh-TW" altLang="en-US"/>
           </a:p>
@@ -2343,7 +2343,7 @@
           <a:p>
             <a:fld id="{9553D06D-798D-41B2-8E09-945CDEC492DF}" type="datetimeFigureOut">
               <a:rPr lang="zh-TW" altLang="en-US" smtClean="0"/>
-              <a:t>2024/9/29</a:t>
+              <a:t>2024/9/30</a:t>
             </a:fld>
             <a:endParaRPr lang="zh-TW" altLang="en-US"/>
           </a:p>
@@ -2554,7 +2554,7 @@
           <a:p>
             <a:fld id="{9553D06D-798D-41B2-8E09-945CDEC492DF}" type="datetimeFigureOut">
               <a:rPr lang="zh-TW" altLang="en-US" smtClean="0"/>
-              <a:t>2024/9/29</a:t>
+              <a:t>2024/9/30</a:t>
             </a:fld>
             <a:endParaRPr lang="zh-TW" altLang="en-US"/>
           </a:p>
@@ -3170,20 +3170,21 @@
           <a:p>
             <a:r>
               <a:rPr lang="en-US" altLang="zh-TW" dirty="0"/>
-              <a:t>For hand-written exercises, please hand in your homework in class (paper version)</a:t>
+              <a:t>For hand-written exercises, please write your answers of the homework </a:t>
             </a:r>
           </a:p>
           <a:p>
             <a:pPr lvl="1"/>
             <a:r>
               <a:rPr lang="en-US" altLang="zh-TW" dirty="0"/>
-              <a:t>Remember to specify your name and student ID</a:t>
-            </a:r>
-          </a:p>
-          <a:p>
-            <a:r>
-              <a:rPr lang="en-US" altLang="zh-TW" dirty="0"/>
-              <a:t>For those who cannot come to class, please scan or type your answer for the homework in an electronic file and submit it online to </a:t>
+              <a:t>You can hand in your homework in class (paper version), </a:t>
+            </a:r>
+          </a:p>
+          <a:p>
+            <a:pPr lvl="1"/>
+            <a:r>
+              <a:rPr lang="en-US" altLang="zh-TW" dirty="0"/>
+              <a:t>Or submit the electronic file online to </a:t>
             </a:r>
             <a:r>
               <a:rPr lang="en-US" altLang="zh-TW" dirty="0" err="1"/>
@@ -3191,14 +3192,39 @@
             </a:r>
             <a:r>
               <a:rPr lang="en-US" altLang="zh-TW" dirty="0"/>
-              <a:t>+</a:t>
+              <a:t>+ under the item </a:t>
+            </a:r>
+            <a:r>
+              <a:rPr lang="en-US" altLang="zh-TW" dirty="0">
+                <a:solidFill>
+                  <a:srgbClr val="0000FF"/>
+                </a:solidFill>
+              </a:rPr>
+              <a:t>[Assignments]\[HW#1]</a:t>
             </a:r>
           </a:p>
           <a:p>
             <a:pPr lvl="1"/>
-            <a:r>
-              <a:rPr lang="en-US" altLang="zh-TW" dirty="0"/>
-              <a:t>Under the item [Assignments]\[HW#1]</a:t>
+            <a:endParaRPr lang="en-US" altLang="zh-TW" dirty="0"/>
+          </a:p>
+          <a:p>
+            <a:r>
+              <a:rPr lang="en-US" altLang="zh-TW" dirty="0"/>
+              <a:t>The steps of answering each question has to be included</a:t>
+            </a:r>
+          </a:p>
+          <a:p>
+            <a:pPr lvl="1"/>
+            <a:r>
+              <a:rPr lang="en-US" altLang="zh-TW" dirty="0"/>
+              <a:t>Please remember to write your name and student ID</a:t>
+            </a:r>
+          </a:p>
+          <a:p>
+            <a:pPr lvl="1"/>
+            <a:r>
+              <a:rPr lang="en-US" altLang="zh-TW" dirty="0"/>
+              <a:t>Either typing or photos or scanning of your hand writing for the steps</a:t>
             </a:r>
           </a:p>
           <a:p>

--- a/EDM/HW1.pptx
+++ b/EDM/HW1.pptx
@@ -8,15 +8,16 @@
     <p:sldId id="256" r:id="rId2"/>
     <p:sldId id="257" r:id="rId3"/>
     <p:sldId id="266" r:id="rId4"/>
-    <p:sldId id="259" r:id="rId5"/>
-    <p:sldId id="264" r:id="rId6"/>
-    <p:sldId id="267" r:id="rId7"/>
-    <p:sldId id="260" r:id="rId8"/>
-    <p:sldId id="265" r:id="rId9"/>
-    <p:sldId id="261" r:id="rId10"/>
-    <p:sldId id="268" r:id="rId11"/>
-    <p:sldId id="263" r:id="rId12"/>
-    <p:sldId id="262" r:id="rId13"/>
+    <p:sldId id="269" r:id="rId5"/>
+    <p:sldId id="259" r:id="rId6"/>
+    <p:sldId id="264" r:id="rId7"/>
+    <p:sldId id="267" r:id="rId8"/>
+    <p:sldId id="260" r:id="rId9"/>
+    <p:sldId id="265" r:id="rId10"/>
+    <p:sldId id="261" r:id="rId11"/>
+    <p:sldId id="268" r:id="rId12"/>
+    <p:sldId id="263" r:id="rId13"/>
+    <p:sldId id="262" r:id="rId14"/>
   </p:sldIdLst>
   <p:sldSz cx="12192000" cy="6858000"/>
   <p:notesSz cx="6858000" cy="9144000"/>
@@ -252,7 +253,7 @@
           <a:p>
             <a:fld id="{9553D06D-798D-41B2-8E09-945CDEC492DF}" type="datetimeFigureOut">
               <a:rPr lang="zh-TW" altLang="en-US" smtClean="0"/>
-              <a:t>2024/9/30</a:t>
+              <a:t>2025/9/25</a:t>
             </a:fld>
             <a:endParaRPr lang="zh-TW" altLang="en-US"/>
           </a:p>
@@ -420,7 +421,7 @@
           <a:p>
             <a:fld id="{9553D06D-798D-41B2-8E09-945CDEC492DF}" type="datetimeFigureOut">
               <a:rPr lang="zh-TW" altLang="en-US" smtClean="0"/>
-              <a:t>2024/9/30</a:t>
+              <a:t>2025/9/25</a:t>
             </a:fld>
             <a:endParaRPr lang="zh-TW" altLang="en-US"/>
           </a:p>
@@ -598,7 +599,7 @@
           <a:p>
             <a:fld id="{9553D06D-798D-41B2-8E09-945CDEC492DF}" type="datetimeFigureOut">
               <a:rPr lang="zh-TW" altLang="en-US" smtClean="0"/>
-              <a:t>2024/9/30</a:t>
+              <a:t>2025/9/25</a:t>
             </a:fld>
             <a:endParaRPr lang="zh-TW" altLang="en-US"/>
           </a:p>
@@ -766,7 +767,7 @@
           <a:p>
             <a:fld id="{9553D06D-798D-41B2-8E09-945CDEC492DF}" type="datetimeFigureOut">
               <a:rPr lang="zh-TW" altLang="en-US" smtClean="0"/>
-              <a:t>2024/9/30</a:t>
+              <a:t>2025/9/25</a:t>
             </a:fld>
             <a:endParaRPr lang="zh-TW" altLang="en-US"/>
           </a:p>
@@ -1011,7 +1012,7 @@
           <a:p>
             <a:fld id="{9553D06D-798D-41B2-8E09-945CDEC492DF}" type="datetimeFigureOut">
               <a:rPr lang="zh-TW" altLang="en-US" smtClean="0"/>
-              <a:t>2024/9/30</a:t>
+              <a:t>2025/9/25</a:t>
             </a:fld>
             <a:endParaRPr lang="zh-TW" altLang="en-US"/>
           </a:p>
@@ -1240,7 +1241,7 @@
           <a:p>
             <a:fld id="{9553D06D-798D-41B2-8E09-945CDEC492DF}" type="datetimeFigureOut">
               <a:rPr lang="zh-TW" altLang="en-US" smtClean="0"/>
-              <a:t>2024/9/30</a:t>
+              <a:t>2025/9/25</a:t>
             </a:fld>
             <a:endParaRPr lang="zh-TW" altLang="en-US"/>
           </a:p>
@@ -1604,7 +1605,7 @@
           <a:p>
             <a:fld id="{9553D06D-798D-41B2-8E09-945CDEC492DF}" type="datetimeFigureOut">
               <a:rPr lang="zh-TW" altLang="en-US" smtClean="0"/>
-              <a:t>2024/9/30</a:t>
+              <a:t>2025/9/25</a:t>
             </a:fld>
             <a:endParaRPr lang="zh-TW" altLang="en-US"/>
           </a:p>
@@ -1721,7 +1722,7 @@
           <a:p>
             <a:fld id="{9553D06D-798D-41B2-8E09-945CDEC492DF}" type="datetimeFigureOut">
               <a:rPr lang="zh-TW" altLang="en-US" smtClean="0"/>
-              <a:t>2024/9/30</a:t>
+              <a:t>2025/9/25</a:t>
             </a:fld>
             <a:endParaRPr lang="zh-TW" altLang="en-US"/>
           </a:p>
@@ -1816,7 +1817,7 @@
           <a:p>
             <a:fld id="{9553D06D-798D-41B2-8E09-945CDEC492DF}" type="datetimeFigureOut">
               <a:rPr lang="zh-TW" altLang="en-US" smtClean="0"/>
-              <a:t>2024/9/30</a:t>
+              <a:t>2025/9/25</a:t>
             </a:fld>
             <a:endParaRPr lang="zh-TW" altLang="en-US"/>
           </a:p>
@@ -2091,7 +2092,7 @@
           <a:p>
             <a:fld id="{9553D06D-798D-41B2-8E09-945CDEC492DF}" type="datetimeFigureOut">
               <a:rPr lang="zh-TW" altLang="en-US" smtClean="0"/>
-              <a:t>2024/9/30</a:t>
+              <a:t>2025/9/25</a:t>
             </a:fld>
             <a:endParaRPr lang="zh-TW" altLang="en-US"/>
           </a:p>
@@ -2343,7 +2344,7 @@
           <a:p>
             <a:fld id="{9553D06D-798D-41B2-8E09-945CDEC492DF}" type="datetimeFigureOut">
               <a:rPr lang="zh-TW" altLang="en-US" smtClean="0"/>
-              <a:t>2024/9/30</a:t>
+              <a:t>2025/9/25</a:t>
             </a:fld>
             <a:endParaRPr lang="zh-TW" altLang="en-US"/>
           </a:p>
@@ -2554,7 +2555,7 @@
           <a:p>
             <a:fld id="{9553D06D-798D-41B2-8E09-945CDEC492DF}" type="datetimeFigureOut">
               <a:rPr lang="zh-TW" altLang="en-US" smtClean="0"/>
-              <a:t>2024/9/30</a:t>
+              <a:t>2025/9/25</a:t>
             </a:fld>
             <a:endParaRPr lang="zh-TW" altLang="en-US"/>
           </a:p>
@@ -3008,7 +3009,7 @@
           <a:p>
             <a:r>
               <a:rPr lang="en-US" altLang="zh-TW" dirty="0"/>
-              <a:t>Sep. 30, 2024</a:t>
+              <a:t>Sep. 30, 2025</a:t>
             </a:r>
             <a:endParaRPr lang="zh-TW" altLang="en-US" dirty="0"/>
           </a:p>
@@ -3080,7 +3081,7 @@
           <a:p>
             <a:r>
               <a:rPr lang="en-US" altLang="zh-TW" dirty="0"/>
-              <a:t>2.22: Using the data for </a:t>
+              <a:t>2.19: Using the data for </a:t>
             </a:r>
             <a:r>
               <a:rPr lang="en-US" altLang="zh-TW" i="1" dirty="0"/>
@@ -3088,22 +3089,87 @@
             </a:r>
             <a:r>
               <a:rPr lang="en-US" altLang="zh-TW" dirty="0"/>
-              <a:t>given in Exercise 2.14,</a:t>
-            </a:r>
+              <a:t>and </a:t>
+            </a:r>
+            <a:r>
+              <a:rPr lang="en-US" altLang="zh-TW" i="1" dirty="0"/>
+              <a:t>body fat </a:t>
+            </a:r>
+            <a:r>
+              <a:rPr lang="en-US" altLang="zh-TW" dirty="0"/>
+              <a:t>given in Exercise 2.7, answer the following:</a:t>
+            </a:r>
+            <a:br>
+              <a:rPr lang="en-US" altLang="zh-TW" dirty="0"/>
+            </a:br>
+            <a:br>
+              <a:rPr lang="en-US" altLang="zh-TW" dirty="0"/>
+            </a:br>
+            <a:br>
+              <a:rPr lang="en-US" altLang="zh-TW" dirty="0"/>
+            </a:br>
+            <a:endParaRPr lang="en-US" altLang="zh-TW" dirty="0"/>
           </a:p>
           <a:p>
             <a:pPr lvl="1"/>
-            <a:r>
-              <a:rPr lang="en-US" altLang="zh-TW" dirty="0"/>
-              <a:t>(a) Plot an equal-width histogram of width 10.</a:t>
-            </a:r>
-          </a:p>
-        </p:txBody>
-      </p:sp>
+            <a:endParaRPr lang="en-US" altLang="zh-TW" dirty="0"/>
+          </a:p>
+          <a:p>
+            <a:pPr lvl="1"/>
+            <a:endParaRPr lang="en-US" altLang="zh-TW" dirty="0"/>
+          </a:p>
+          <a:p>
+            <a:pPr lvl="1"/>
+            <a:r>
+              <a:rPr lang="en-US" altLang="zh-TW" dirty="0"/>
+              <a:t>(b) Calculate the </a:t>
+            </a:r>
+            <a:r>
+              <a:rPr lang="en-US" altLang="zh-TW" i="1" dirty="0"/>
+              <a:t>correlation coefficient </a:t>
+            </a:r>
+            <a:r>
+              <a:rPr lang="en-US" altLang="zh-TW" dirty="0"/>
+              <a:t>(Pearson’s product moment coefficient). Are these two attributes positively or negatively correlated? Compute their covariance.</a:t>
+            </a:r>
+            <a:endParaRPr lang="zh-TW" altLang="en-US" dirty="0"/>
+          </a:p>
+        </p:txBody>
+      </p:sp>
+      <p:pic>
+        <p:nvPicPr>
+          <p:cNvPr id="4" name="圖片 3"/>
+          <p:cNvPicPr>
+            <a:picLocks noChangeAspect="1"/>
+          </p:cNvPicPr>
+          <p:nvPr/>
+        </p:nvPicPr>
+        <p:blipFill>
+          <a:blip r:embed="rId2">
+            <a:extLst>
+              <a:ext uri="{28A0092B-C50C-407E-A947-70E740481C1C}">
+                <a14:useLocalDpi xmlns:a14="http://schemas.microsoft.com/office/drawing/2010/main" val="0"/>
+              </a:ext>
+            </a:extLst>
+          </a:blip>
+          <a:stretch>
+            <a:fillRect/>
+          </a:stretch>
+        </p:blipFill>
+        <p:spPr>
+          <a:xfrm>
+            <a:off x="1292225" y="2639529"/>
+            <a:ext cx="9607550" cy="1936750"/>
+          </a:xfrm>
+          <a:prstGeom prst="rect">
+            <a:avLst/>
+          </a:prstGeom>
+        </p:spPr>
+      </p:pic>
     </p:spTree>
     <p:extLst>
       <p:ext uri="{BB962C8B-B14F-4D97-AF65-F5344CB8AC3E}">
-        <p14:creationId xmlns:p14="http://schemas.microsoft.com/office/powerpoint/2010/main" val="2410532442"/>
+        <p14:creationId xmlns:p14="http://schemas.microsoft.com/office/powerpoint/2010/main" val="2727595505"/>
       </p:ext>
     </p:extLst>
   </p:cSld>
@@ -3145,6 +3211,92 @@
           <a:bodyPr/>
           <a:lstStyle/>
           <a:p>
+            <a:endParaRPr lang="zh-TW" altLang="en-US"/>
+          </a:p>
+        </p:txBody>
+      </p:sp>
+      <p:sp>
+        <p:nvSpPr>
+          <p:cNvPr id="3" name="內容版面配置區 2"/>
+          <p:cNvSpPr>
+            <a:spLocks noGrp="1"/>
+          </p:cNvSpPr>
+          <p:nvPr>
+            <p:ph idx="1"/>
+          </p:nvPr>
+        </p:nvSpPr>
+        <p:spPr/>
+        <p:txBody>
+          <a:bodyPr/>
+          <a:lstStyle/>
+          <a:p>
+            <a:r>
+              <a:rPr lang="en-US" altLang="zh-TW" dirty="0"/>
+              <a:t>2.22: Using the data for </a:t>
+            </a:r>
+            <a:r>
+              <a:rPr lang="en-US" altLang="zh-TW" i="1" dirty="0"/>
+              <a:t>age </a:t>
+            </a:r>
+            <a:r>
+              <a:rPr lang="en-US" altLang="zh-TW" dirty="0"/>
+              <a:t>given in Exercise 2.14,</a:t>
+            </a:r>
+          </a:p>
+          <a:p>
+            <a:pPr lvl="1"/>
+            <a:r>
+              <a:rPr lang="en-US" altLang="zh-TW" dirty="0"/>
+              <a:t>(a) Plot an equal-width histogram of width 10.</a:t>
+            </a:r>
+          </a:p>
+        </p:txBody>
+      </p:sp>
+    </p:spTree>
+    <p:extLst>
+      <p:ext uri="{BB962C8B-B14F-4D97-AF65-F5344CB8AC3E}">
+        <p14:creationId xmlns:p14="http://schemas.microsoft.com/office/powerpoint/2010/main" val="2410532442"/>
+      </p:ext>
+    </p:extLst>
+  </p:cSld>
+  <p:clrMapOvr>
+    <a:masterClrMapping/>
+  </p:clrMapOvr>
+</p:sld>
+</file>
+
+<file path=ppt/slides/slide12.xml><?xml version="1.0" encoding="utf-8"?>
+<p:sld xmlns:a="http://schemas.openxmlformats.org/drawingml/2006/main" xmlns:r="http://schemas.openxmlformats.org/officeDocument/2006/relationships" xmlns:p="http://schemas.openxmlformats.org/presentationml/2006/main">
+  <p:cSld>
+    <p:spTree>
+      <p:nvGrpSpPr>
+        <p:cNvPr id="1" name=""/>
+        <p:cNvGrpSpPr/>
+        <p:nvPr/>
+      </p:nvGrpSpPr>
+      <p:grpSpPr>
+        <a:xfrm>
+          <a:off x="0" y="0"/>
+          <a:ext cx="0" cy="0"/>
+          <a:chOff x="0" y="0"/>
+          <a:chExt cx="0" cy="0"/>
+        </a:xfrm>
+      </p:grpSpPr>
+      <p:sp>
+        <p:nvSpPr>
+          <p:cNvPr id="2" name="標題 1"/>
+          <p:cNvSpPr>
+            <a:spLocks noGrp="1"/>
+          </p:cNvSpPr>
+          <p:nvPr>
+            <p:ph type="title"/>
+          </p:nvPr>
+        </p:nvSpPr>
+        <p:spPr/>
+        <p:txBody>
+          <a:bodyPr/>
+          <a:lstStyle/>
+          <a:p>
             <a:r>
               <a:rPr lang="en-US" altLang="zh-TW" dirty="0"/>
               <a:t>Homework Submission</a:t>
@@ -3250,7 +3402,7 @@
 </p:sld>
 </file>
 
-<file path=ppt/slides/slide12.xml><?xml version="1.0" encoding="utf-8"?>
+<file path=ppt/slides/slide13.xml><?xml version="1.0" encoding="utf-8"?>
 <p:sld xmlns:a="http://schemas.openxmlformats.org/drawingml/2006/main" xmlns:r="http://schemas.openxmlformats.org/officeDocument/2006/relationships" xmlns:p="http://schemas.openxmlformats.org/presentationml/2006/main">
   <p:cSld>
     <p:spTree>
@@ -3386,13 +3538,20 @@
             <a:pPr lvl="1"/>
             <a:r>
               <a:rPr lang="en-US" altLang="zh-TW" dirty="0"/>
-              <a:t>2.2(e)(f)</a:t>
+              <a:t>2.3</a:t>
             </a:r>
           </a:p>
           <a:p>
             <a:pPr lvl="1"/>
             <a:r>
               <a:rPr lang="en-US" altLang="zh-TW" dirty="0"/>
+              <a:t>2.7(a)</a:t>
+            </a:r>
+          </a:p>
+          <a:p>
+            <a:pPr lvl="1"/>
+            <a:r>
+              <a:rPr lang="en-US" altLang="zh-TW" dirty="0"/>
               <a:t>2.11(a)(b)</a:t>
             </a:r>
           </a:p>
@@ -3420,12 +3579,8 @@
           <a:p>
             <a:pPr lvl="1"/>
             <a:r>
-              <a:rPr lang="en-US" altLang="zh-TW"/>
-              <a:t>2.22(</a:t>
-            </a:r>
-            <a:r>
-              <a:rPr lang="en-US" altLang="zh-TW" dirty="0"/>
-              <a:t>a)</a:t>
+              <a:rPr lang="en-US" altLang="zh-TW" dirty="0"/>
+              <a:t>2.22(a)</a:t>
             </a:r>
           </a:p>
           <a:p>
@@ -3439,7 +3594,7 @@
                   <a:srgbClr val="FF0000"/>
                 </a:solidFill>
               </a:rPr>
-              <a:t>Oct. 14, 2024</a:t>
+              <a:t>Oct. 14, 2025</a:t>
             </a:r>
             <a:r>
               <a:rPr lang="en-US" altLang="zh-TW" dirty="0"/>
@@ -3521,56 +3676,69 @@
           <a:p>
             <a:r>
               <a:rPr lang="en-US" altLang="zh-TW" dirty="0"/>
-              <a:t>2.2: Suppose that the data for analysis includes the attribute </a:t>
-            </a:r>
-            <a:r>
-              <a:rPr lang="en-US" altLang="zh-TW" i="1" dirty="0"/>
-              <a:t>age</a:t>
-            </a:r>
-            <a:r>
-              <a:rPr lang="en-US" altLang="zh-TW" dirty="0"/>
-              <a:t>. The </a:t>
-            </a:r>
-            <a:r>
-              <a:rPr lang="en-US" altLang="zh-TW" i="1" dirty="0"/>
-              <a:t>age </a:t>
-            </a:r>
-            <a:r>
-              <a:rPr lang="en-US" altLang="zh-TW" dirty="0"/>
-              <a:t>values for the data tuples are (in increasing order): 13, 15, 16, 16, 19, 20, 20, 21, 22, 22, 25, 25, 25, 25, 30, 33, 33, 35, 35, 35, 35, 36, 40, 45, 46, 52, 70.</a:t>
-            </a:r>
-          </a:p>
-          <a:p>
-            <a:r>
-              <a:rPr lang="en-US" altLang="zh-TW" dirty="0"/>
-              <a:t>(e) Give the </a:t>
-            </a:r>
-            <a:r>
-              <a:rPr lang="en-US" altLang="zh-TW" i="1" dirty="0"/>
-              <a:t>five-number summary </a:t>
-            </a:r>
-            <a:r>
-              <a:rPr lang="en-US" altLang="zh-TW" dirty="0"/>
-              <a:t>of the data.</a:t>
-            </a:r>
-          </a:p>
-          <a:p>
-            <a:r>
-              <a:rPr lang="en-US" altLang="zh-TW" dirty="0"/>
-              <a:t>(f) Show a </a:t>
-            </a:r>
-            <a:r>
-              <a:rPr lang="en-US" altLang="zh-TW" i="1" dirty="0"/>
-              <a:t>boxplot </a:t>
-            </a:r>
-            <a:r>
-              <a:rPr lang="en-US" altLang="zh-TW" dirty="0"/>
-              <a:t>of the data.</a:t>
+              <a:t>2.3: Suppose that the values for a given set of data are grouped into intervals. The intervals and corresponding frequencies are as follows: </a:t>
+            </a:r>
+          </a:p>
+          <a:p>
+            <a:endParaRPr lang="en-US" altLang="zh-TW" dirty="0"/>
+          </a:p>
+          <a:p>
+            <a:endParaRPr lang="en-US" altLang="zh-TW" dirty="0"/>
+          </a:p>
+          <a:p>
+            <a:endParaRPr lang="en-US" altLang="zh-TW" dirty="0"/>
+          </a:p>
+          <a:p>
+            <a:endParaRPr lang="en-US" altLang="zh-TW" dirty="0"/>
+          </a:p>
+          <a:p>
+            <a:endParaRPr lang="en-US" altLang="zh-TW" dirty="0"/>
+          </a:p>
+          <a:p>
+            <a:r>
+              <a:rPr lang="en-US" altLang="zh-TW" dirty="0"/>
+              <a:t>Compute an approximate median value for the data.</a:t>
             </a:r>
             <a:endParaRPr lang="zh-TW" altLang="en-US" dirty="0"/>
           </a:p>
         </p:txBody>
       </p:sp>
+      <p:pic>
+        <p:nvPicPr>
+          <p:cNvPr id="5" name="圖片 4">
+            <a:extLst>
+              <a:ext uri="{FF2B5EF4-FFF2-40B4-BE49-F238E27FC236}">
+                <a16:creationId xmlns:a16="http://schemas.microsoft.com/office/drawing/2014/main" id="{451F1091-5AC9-43C9-B6B2-A55D203EC4C8}"/>
+              </a:ext>
+            </a:extLst>
+          </p:cNvPr>
+          <p:cNvPicPr>
+            <a:picLocks noChangeAspect="1"/>
+          </p:cNvPicPr>
+          <p:nvPr/>
+        </p:nvPicPr>
+        <p:blipFill>
+          <a:blip r:embed="rId2">
+            <a:extLst>
+              <a:ext uri="{28A0092B-C50C-407E-A947-70E740481C1C}">
+                <a14:useLocalDpi xmlns:a14="http://schemas.microsoft.com/office/drawing/2010/main" val="0"/>
+              </a:ext>
+            </a:extLst>
+          </a:blip>
+          <a:stretch>
+            <a:fillRect/>
+          </a:stretch>
+        </p:blipFill>
+        <p:spPr>
+          <a:xfrm>
+            <a:off x="4962418" y="2915610"/>
+            <a:ext cx="2267164" cy="2171368"/>
+          </a:xfrm>
+          <a:prstGeom prst="rect">
+            <a:avLst/>
+          </a:prstGeom>
+        </p:spPr>
+      </p:pic>
     </p:spTree>
     <p:extLst>
       <p:ext uri="{BB962C8B-B14F-4D97-AF65-F5344CB8AC3E}">
@@ -3603,6 +3771,141 @@
       </p:grpSpPr>
       <p:sp>
         <p:nvSpPr>
+          <p:cNvPr id="2" name="標題 1">
+            <a:extLst>
+              <a:ext uri="{FF2B5EF4-FFF2-40B4-BE49-F238E27FC236}">
+                <a16:creationId xmlns:a16="http://schemas.microsoft.com/office/drawing/2014/main" id="{C20D4EB6-A2F1-49BA-AC74-111A3B216093}"/>
+              </a:ext>
+            </a:extLst>
+          </p:cNvPr>
+          <p:cNvSpPr>
+            <a:spLocks noGrp="1"/>
+          </p:cNvSpPr>
+          <p:nvPr>
+            <p:ph type="title"/>
+          </p:nvPr>
+        </p:nvSpPr>
+        <p:spPr/>
+        <p:txBody>
+          <a:bodyPr/>
+          <a:lstStyle/>
+          <a:p>
+            <a:endParaRPr lang="zh-TW" altLang="en-US"/>
+          </a:p>
+        </p:txBody>
+      </p:sp>
+      <p:sp>
+        <p:nvSpPr>
+          <p:cNvPr id="3" name="內容版面配置區 2">
+            <a:extLst>
+              <a:ext uri="{FF2B5EF4-FFF2-40B4-BE49-F238E27FC236}">
+                <a16:creationId xmlns:a16="http://schemas.microsoft.com/office/drawing/2014/main" id="{7CEE9032-F9DD-4308-9A4B-E5CB70DFC1FB}"/>
+              </a:ext>
+            </a:extLst>
+          </p:cNvPr>
+          <p:cNvSpPr>
+            <a:spLocks noGrp="1"/>
+          </p:cNvSpPr>
+          <p:nvPr>
+            <p:ph idx="1"/>
+          </p:nvPr>
+        </p:nvSpPr>
+        <p:spPr/>
+        <p:txBody>
+          <a:bodyPr/>
+          <a:lstStyle/>
+          <a:p>
+            <a:r>
+              <a:rPr lang="en-US" altLang="zh-TW" dirty="0"/>
+              <a:t>2.7: Suppose that a hospital tested the age and body fat data for 18 randomly selected adults with the following results:</a:t>
+            </a:r>
+          </a:p>
+          <a:p>
+            <a:endParaRPr lang="en-US" altLang="zh-TW" dirty="0"/>
+          </a:p>
+          <a:p>
+            <a:endParaRPr lang="en-US" altLang="zh-TW" dirty="0"/>
+          </a:p>
+          <a:p>
+            <a:endParaRPr lang="en-US" altLang="zh-TW" dirty="0"/>
+          </a:p>
+          <a:p>
+            <a:r>
+              <a:rPr lang="en-US" altLang="zh-TW" dirty="0"/>
+              <a:t>(a) Calculate the mean, median, and standard deviation of age and %fat.</a:t>
+            </a:r>
+            <a:endParaRPr lang="zh-TW" altLang="en-US" dirty="0"/>
+          </a:p>
+        </p:txBody>
+      </p:sp>
+      <p:pic>
+        <p:nvPicPr>
+          <p:cNvPr id="5" name="圖片 4">
+            <a:extLst>
+              <a:ext uri="{FF2B5EF4-FFF2-40B4-BE49-F238E27FC236}">
+                <a16:creationId xmlns:a16="http://schemas.microsoft.com/office/drawing/2014/main" id="{55255E52-F1F8-4A74-B0D4-05198CA43A04}"/>
+              </a:ext>
+            </a:extLst>
+          </p:cNvPr>
+          <p:cNvPicPr>
+            <a:picLocks noChangeAspect="1"/>
+          </p:cNvPicPr>
+          <p:nvPr/>
+        </p:nvPicPr>
+        <p:blipFill>
+          <a:blip r:embed="rId2">
+            <a:extLst>
+              <a:ext uri="{28A0092B-C50C-407E-A947-70E740481C1C}">
+                <a14:useLocalDpi xmlns:a14="http://schemas.microsoft.com/office/drawing/2010/main" val="0"/>
+              </a:ext>
+            </a:extLst>
+          </a:blip>
+          <a:stretch>
+            <a:fillRect/>
+          </a:stretch>
+        </p:blipFill>
+        <p:spPr>
+          <a:xfrm>
+            <a:off x="2710271" y="2727789"/>
+            <a:ext cx="6771458" cy="1402422"/>
+          </a:xfrm>
+          <a:prstGeom prst="rect">
+            <a:avLst/>
+          </a:prstGeom>
+        </p:spPr>
+      </p:pic>
+    </p:spTree>
+    <p:extLst>
+      <p:ext uri="{BB962C8B-B14F-4D97-AF65-F5344CB8AC3E}">
+        <p14:creationId xmlns:p14="http://schemas.microsoft.com/office/powerpoint/2010/main" val="2990538182"/>
+      </p:ext>
+    </p:extLst>
+  </p:cSld>
+  <p:clrMapOvr>
+    <a:masterClrMapping/>
+  </p:clrMapOvr>
+</p:sld>
+</file>
+
+<file path=ppt/slides/slide5.xml><?xml version="1.0" encoding="utf-8"?>
+<p:sld xmlns:a="http://schemas.openxmlformats.org/drawingml/2006/main" xmlns:r="http://schemas.openxmlformats.org/officeDocument/2006/relationships" xmlns:p="http://schemas.openxmlformats.org/presentationml/2006/main">
+  <p:cSld>
+    <p:spTree>
+      <p:nvGrpSpPr>
+        <p:cNvPr id="1" name=""/>
+        <p:cNvGrpSpPr/>
+        <p:nvPr/>
+      </p:nvGrpSpPr>
+      <p:grpSpPr>
+        <a:xfrm>
+          <a:off x="0" y="0"/>
+          <a:ext cx="0" cy="0"/>
+          <a:chOff x="0" y="0"/>
+          <a:chExt cx="0" cy="0"/>
+        </a:xfrm>
+      </p:grpSpPr>
+      <p:sp>
+        <p:nvSpPr>
           <p:cNvPr id="2" name="標題 1"/>
           <p:cNvSpPr>
             <a:spLocks noGrp="1"/>
@@ -3669,7 +3972,7 @@
 </p:sld>
 </file>
 
-<file path=ppt/slides/slide5.xml><?xml version="1.0" encoding="utf-8"?>
+<file path=ppt/slides/slide6.xml><?xml version="1.0" encoding="utf-8"?>
 <p:sld xmlns:a="http://schemas.openxmlformats.org/drawingml/2006/main" xmlns:r="http://schemas.openxmlformats.org/officeDocument/2006/relationships" xmlns:p="http://schemas.openxmlformats.org/presentationml/2006/main">
   <p:cSld>
     <p:spTree>
@@ -4109,87 +4412,6 @@
 </p:sld>
 </file>
 
-<file path=ppt/slides/slide6.xml><?xml version="1.0" encoding="utf-8"?>
-<p:sld xmlns:a="http://schemas.openxmlformats.org/drawingml/2006/main" xmlns:r="http://schemas.openxmlformats.org/officeDocument/2006/relationships" xmlns:p="http://schemas.openxmlformats.org/presentationml/2006/main">
-  <p:cSld>
-    <p:spTree>
-      <p:nvGrpSpPr>
-        <p:cNvPr id="1" name=""/>
-        <p:cNvGrpSpPr/>
-        <p:nvPr/>
-      </p:nvGrpSpPr>
-      <p:grpSpPr>
-        <a:xfrm>
-          <a:off x="0" y="0"/>
-          <a:ext cx="0" cy="0"/>
-          <a:chOff x="0" y="0"/>
-          <a:chExt cx="0" cy="0"/>
-        </a:xfrm>
-      </p:grpSpPr>
-      <p:sp>
-        <p:nvSpPr>
-          <p:cNvPr id="5" name="標題 4"/>
-          <p:cNvSpPr>
-            <a:spLocks noGrp="1"/>
-          </p:cNvSpPr>
-          <p:nvPr>
-            <p:ph type="title"/>
-          </p:nvPr>
-        </p:nvSpPr>
-        <p:spPr/>
-        <p:txBody>
-          <a:bodyPr/>
-          <a:lstStyle/>
-          <a:p>
-            <a:endParaRPr lang="zh-TW" altLang="en-US"/>
-          </a:p>
-        </p:txBody>
-      </p:sp>
-      <p:sp>
-        <p:nvSpPr>
-          <p:cNvPr id="6" name="內容版面配置區 5"/>
-          <p:cNvSpPr>
-            <a:spLocks noGrp="1"/>
-          </p:cNvSpPr>
-          <p:nvPr>
-            <p:ph idx="1"/>
-          </p:nvPr>
-        </p:nvSpPr>
-        <p:spPr/>
-        <p:txBody>
-          <a:bodyPr/>
-          <a:lstStyle/>
-          <a:p>
-            <a:r>
-              <a:rPr lang="en-US" altLang="zh-TW" dirty="0"/>
-              <a:t>(… continued from the previous slide)</a:t>
-            </a:r>
-          </a:p>
-          <a:p>
-            <a:endParaRPr lang="en-US" altLang="zh-TW" dirty="0"/>
-          </a:p>
-          <a:p>
-            <a:r>
-              <a:rPr lang="en-US" altLang="zh-TW" dirty="0"/>
-              <a:t>(b) Normalize the data set to make the (Euclidean) norm of each data point equal to 1. Use Euclidean distance on the transformed data to rank the data points.</a:t>
-            </a:r>
-            <a:endParaRPr lang="zh-TW" altLang="en-US" dirty="0"/>
-          </a:p>
-        </p:txBody>
-      </p:sp>
-    </p:spTree>
-    <p:extLst>
-      <p:ext uri="{BB962C8B-B14F-4D97-AF65-F5344CB8AC3E}">
-        <p14:creationId xmlns:p14="http://schemas.microsoft.com/office/powerpoint/2010/main" val="2418010923"/>
-      </p:ext>
-    </p:extLst>
-  </p:cSld>
-  <p:clrMapOvr>
-    <a:masterClrMapping/>
-  </p:clrMapOvr>
-</p:sld>
-</file>
-
 <file path=ppt/slides/slide7.xml><?xml version="1.0" encoding="utf-8"?>
 <p:sld xmlns:a="http://schemas.openxmlformats.org/drawingml/2006/main" xmlns:r="http://schemas.openxmlformats.org/officeDocument/2006/relationships" xmlns:p="http://schemas.openxmlformats.org/presentationml/2006/main">
   <p:cSld>
@@ -4209,7 +4431,7 @@
       </p:grpSpPr>
       <p:sp>
         <p:nvSpPr>
-          <p:cNvPr id="2" name="標題 1"/>
+          <p:cNvPr id="5" name="標題 4"/>
           <p:cNvSpPr>
             <a:spLocks noGrp="1"/>
           </p:cNvSpPr>
@@ -4222,77 +4444,46 @@
           <a:bodyPr/>
           <a:lstStyle/>
           <a:p>
+            <a:endParaRPr lang="zh-TW" altLang="en-US"/>
+          </a:p>
+        </p:txBody>
+      </p:sp>
+      <p:sp>
+        <p:nvSpPr>
+          <p:cNvPr id="6" name="內容版面配置區 5"/>
+          <p:cNvSpPr>
+            <a:spLocks noGrp="1"/>
+          </p:cNvSpPr>
+          <p:nvPr>
+            <p:ph idx="1"/>
+          </p:nvPr>
+        </p:nvSpPr>
+        <p:spPr/>
+        <p:txBody>
+          <a:bodyPr/>
+          <a:lstStyle/>
+          <a:p>
+            <a:r>
+              <a:rPr lang="en-US" altLang="zh-TW" dirty="0"/>
+              <a:t>(… continued from the previous slide)</a:t>
+            </a:r>
+          </a:p>
+          <a:p>
+            <a:endParaRPr lang="en-US" altLang="zh-TW" dirty="0"/>
+          </a:p>
+          <a:p>
+            <a:r>
+              <a:rPr lang="en-US" altLang="zh-TW" dirty="0"/>
+              <a:t>(b) Normalize the data set to make the (Euclidean) norm of each data point equal to 1. Use Euclidean distance on the transformed data to rank the data points.</a:t>
+            </a:r>
             <a:endParaRPr lang="zh-TW" altLang="en-US" dirty="0"/>
-          </a:p>
-        </p:txBody>
-      </p:sp>
-      <p:sp>
-        <p:nvSpPr>
-          <p:cNvPr id="3" name="內容版面配置區 2"/>
-          <p:cNvSpPr>
-            <a:spLocks noGrp="1"/>
-          </p:cNvSpPr>
-          <p:nvPr>
-            <p:ph idx="1"/>
-          </p:nvPr>
-        </p:nvSpPr>
-        <p:spPr/>
-        <p:txBody>
-          <a:bodyPr>
-            <a:normAutofit/>
-          </a:bodyPr>
-          <a:lstStyle/>
-          <a:p>
-            <a:r>
-              <a:rPr lang="en-US" altLang="zh-TW" dirty="0"/>
-              <a:t>2.14: Given the following data (in increasing order) for the attribute </a:t>
-            </a:r>
-            <a:r>
-              <a:rPr lang="en-US" altLang="zh-TW" i="1" dirty="0"/>
-              <a:t>age</a:t>
-            </a:r>
-            <a:r>
-              <a:rPr lang="en-US" altLang="zh-TW" dirty="0"/>
-              <a:t>: 13, 15, 16, 16, 19, 20, 20, 21, 22, 22, 25, 25, 25, 25, 30, 33, 33, 35, 35, 35, 35, 36, 40, 45, 46, 52, 70. </a:t>
-            </a:r>
-          </a:p>
-          <a:p>
-            <a:r>
-              <a:rPr lang="en-US" altLang="zh-TW" dirty="0"/>
-              <a:t>(a) Use </a:t>
-            </a:r>
-            <a:r>
-              <a:rPr lang="en-US" altLang="zh-TW" i="1" dirty="0"/>
-              <a:t>smoothing by bin means </a:t>
-            </a:r>
-            <a:r>
-              <a:rPr lang="en-US" altLang="zh-TW" dirty="0"/>
-              <a:t>to smooth these data, using equal-frequency bins of size 3. Illustrate your steps. Comment on the effect of this technique for the given data.</a:t>
-            </a:r>
-          </a:p>
-          <a:p>
-            <a:r>
-              <a:rPr lang="en-US" altLang="zh-TW" dirty="0"/>
-              <a:t>(b) How might you determine </a:t>
-            </a:r>
-            <a:r>
-              <a:rPr lang="en-US" altLang="zh-TW" i="1" dirty="0"/>
-              <a:t>outliers </a:t>
-            </a:r>
-            <a:r>
-              <a:rPr lang="en-US" altLang="zh-TW" dirty="0"/>
-              <a:t>in the data?</a:t>
-            </a:r>
-          </a:p>
-          <a:p>
-            <a:endParaRPr lang="en-US" altLang="zh-TW" dirty="0"/>
           </a:p>
         </p:txBody>
       </p:sp>
     </p:spTree>
     <p:extLst>
       <p:ext uri="{BB962C8B-B14F-4D97-AF65-F5344CB8AC3E}">
-        <p14:creationId xmlns:p14="http://schemas.microsoft.com/office/powerpoint/2010/main" val="92977733"/>
+        <p14:creationId xmlns:p14="http://schemas.microsoft.com/office/powerpoint/2010/main" val="2418010923"/>
       </p:ext>
     </p:extLst>
   </p:cSld>
@@ -4334,7 +4525,7 @@
           <a:bodyPr/>
           <a:lstStyle/>
           <a:p>
-            <a:endParaRPr lang="zh-TW" altLang="en-US"/>
+            <a:endParaRPr lang="zh-TW" altLang="en-US" dirty="0"/>
           </a:p>
         </p:txBody>
       </p:sp>
@@ -4357,35 +4548,7 @@
           <a:p>
             <a:r>
               <a:rPr lang="en-US" altLang="zh-TW" dirty="0"/>
-              <a:t>2.18: Using the data for </a:t>
-            </a:r>
-            <a:r>
-              <a:rPr lang="en-US" altLang="zh-TW" i="1" dirty="0"/>
-              <a:t>age </a:t>
-            </a:r>
-            <a:r>
-              <a:rPr lang="en-US" altLang="zh-TW" dirty="0"/>
-              <a:t>given in Exercise 2.14, answer the following:</a:t>
-            </a:r>
-          </a:p>
-          <a:p>
-            <a:r>
-              <a:rPr lang="en-US" altLang="zh-TW" dirty="0"/>
-              <a:t>(a) Use min-max normalization to transform the value 35 for </a:t>
-            </a:r>
-            <a:r>
-              <a:rPr lang="en-US" altLang="zh-TW" i="1" dirty="0"/>
-              <a:t>age </a:t>
-            </a:r>
-            <a:r>
-              <a:rPr lang="en-US" altLang="zh-TW" dirty="0"/>
-              <a:t>onto the range [0.0, 1.0].</a:t>
-            </a:r>
-          </a:p>
-          <a:p>
-            <a:r>
-              <a:rPr lang="en-US" altLang="zh-TW" dirty="0"/>
-              <a:t>(b) Use z-score normalization to transform the value 35 for </a:t>
+              <a:t>2.14: Given the following data (in increasing order) for the attribute </a:t>
             </a:r>
             <a:r>
               <a:rPr lang="en-US" altLang="zh-TW" i="1" dirty="0"/>
@@ -4393,24 +4556,46 @@
             </a:r>
             <a:r>
               <a:rPr lang="en-US" altLang="zh-TW" dirty="0"/>
-              <a:t>, where the standard deviation of </a:t>
+              <a:t>: 13, 15, 16, 16, 19, 20, 20, 21, 22, 22, 25, 25, 25, 25, 30, 33, 33, 35, 35, 35, 35, 36, 40, 45, 46, 52, 70. </a:t>
+            </a:r>
+          </a:p>
+          <a:p>
+            <a:r>
+              <a:rPr lang="en-US" altLang="zh-TW" dirty="0"/>
+              <a:t>(a) Use </a:t>
             </a:r>
             <a:r>
               <a:rPr lang="en-US" altLang="zh-TW" i="1" dirty="0"/>
-              <a:t>age </a:t>
-            </a:r>
-            <a:r>
-              <a:rPr lang="en-US" altLang="zh-TW" dirty="0"/>
-              <a:t>is 12.70 years.</a:t>
-            </a:r>
-            <a:endParaRPr lang="zh-TW" altLang="en-US" dirty="0"/>
+              <a:t>smoothing by bin means </a:t>
+            </a:r>
+            <a:r>
+              <a:rPr lang="en-US" altLang="zh-TW" dirty="0"/>
+              <a:t>to smooth these data, using equal-frequency bins of size 3. Illustrate your steps. Comment on the effect of this technique for the given data.</a:t>
+            </a:r>
+          </a:p>
+          <a:p>
+            <a:r>
+              <a:rPr lang="en-US" altLang="zh-TW" dirty="0"/>
+              <a:t>(b) How might you determine </a:t>
+            </a:r>
+            <a:r>
+              <a:rPr lang="en-US" altLang="zh-TW" i="1" dirty="0"/>
+              <a:t>outliers </a:t>
+            </a:r>
+            <a:r>
+              <a:rPr lang="en-US" altLang="zh-TW" dirty="0"/>
+              <a:t>in the data?</a:t>
+            </a:r>
+          </a:p>
+          <a:p>
+            <a:endParaRPr lang="en-US" altLang="zh-TW" dirty="0"/>
           </a:p>
         </p:txBody>
       </p:sp>
     </p:spTree>
     <p:extLst>
       <p:ext uri="{BB962C8B-B14F-4D97-AF65-F5344CB8AC3E}">
-        <p14:creationId xmlns:p14="http://schemas.microsoft.com/office/powerpoint/2010/main" val="3173203584"/>
+        <p14:creationId xmlns:p14="http://schemas.microsoft.com/office/powerpoint/2010/main" val="92977733"/>
       </p:ext>
     </p:extLst>
   </p:cSld>
@@ -4468,12 +4653,14 @@
         </p:nvSpPr>
         <p:spPr/>
         <p:txBody>
-          <a:bodyPr/>
-          <a:lstStyle/>
-          <a:p>
-            <a:r>
-              <a:rPr lang="en-US" altLang="zh-TW" dirty="0"/>
-              <a:t>2.19: Using the data for </a:t>
+          <a:bodyPr>
+            <a:normAutofit/>
+          </a:bodyPr>
+          <a:lstStyle/>
+          <a:p>
+            <a:r>
+              <a:rPr lang="en-US" altLang="zh-TW" dirty="0"/>
+              <a:t>2.18: Using the data for </a:t>
             </a:r>
             <a:r>
               <a:rPr lang="en-US" altLang="zh-TW" i="1" dirty="0"/>
@@ -4481,87 +4668,52 @@
             </a:r>
             <a:r>
               <a:rPr lang="en-US" altLang="zh-TW" dirty="0"/>
-              <a:t>and </a:t>
+              <a:t>given in Exercise 2.14, answer the following:</a:t>
+            </a:r>
+          </a:p>
+          <a:p>
+            <a:r>
+              <a:rPr lang="en-US" altLang="zh-TW" dirty="0"/>
+              <a:t>(a) Use min-max normalization to transform the value 35 for </a:t>
             </a:r>
             <a:r>
               <a:rPr lang="en-US" altLang="zh-TW" i="1" dirty="0"/>
-              <a:t>body fat </a:t>
-            </a:r>
-            <a:r>
-              <a:rPr lang="en-US" altLang="zh-TW" dirty="0"/>
-              <a:t>given in Exercise 2.7, answer the following:</a:t>
-            </a:r>
-            <a:br>
-              <a:rPr lang="en-US" altLang="zh-TW" dirty="0"/>
-            </a:br>
-            <a:br>
-              <a:rPr lang="en-US" altLang="zh-TW" dirty="0"/>
-            </a:br>
-            <a:br>
-              <a:rPr lang="en-US" altLang="zh-TW" dirty="0"/>
-            </a:br>
-            <a:endParaRPr lang="en-US" altLang="zh-TW" dirty="0"/>
-          </a:p>
-          <a:p>
-            <a:pPr lvl="1"/>
-            <a:endParaRPr lang="en-US" altLang="zh-TW" dirty="0"/>
-          </a:p>
-          <a:p>
-            <a:pPr lvl="1"/>
-            <a:endParaRPr lang="en-US" altLang="zh-TW" dirty="0"/>
-          </a:p>
-          <a:p>
-            <a:pPr lvl="1"/>
-            <a:r>
-              <a:rPr lang="en-US" altLang="zh-TW" dirty="0"/>
-              <a:t>(b) Calculate the </a:t>
+              <a:t>age </a:t>
+            </a:r>
+            <a:r>
+              <a:rPr lang="en-US" altLang="zh-TW" dirty="0"/>
+              <a:t>onto the range [0.0, 1.0].</a:t>
+            </a:r>
+          </a:p>
+          <a:p>
+            <a:r>
+              <a:rPr lang="en-US" altLang="zh-TW" dirty="0"/>
+              <a:t>(b) Use z-score normalization to transform the value 35 for </a:t>
             </a:r>
             <a:r>
               <a:rPr lang="en-US" altLang="zh-TW" i="1" dirty="0"/>
-              <a:t>correlation coefficient </a:t>
-            </a:r>
-            <a:r>
-              <a:rPr lang="en-US" altLang="zh-TW" dirty="0"/>
-              <a:t>(Pearson’s product moment coefficient). Are these two attributes positively or negatively correlated? Compute their covariance.</a:t>
+              <a:t>age</a:t>
+            </a:r>
+            <a:r>
+              <a:rPr lang="en-US" altLang="zh-TW" dirty="0"/>
+              <a:t>, where the standard deviation of </a:t>
+            </a:r>
+            <a:r>
+              <a:rPr lang="en-US" altLang="zh-TW" i="1" dirty="0"/>
+              <a:t>age </a:t>
+            </a:r>
+            <a:r>
+              <a:rPr lang="en-US" altLang="zh-TW" dirty="0"/>
+              <a:t>is 12.70 years.</a:t>
             </a:r>
             <a:endParaRPr lang="zh-TW" altLang="en-US" dirty="0"/>
           </a:p>
         </p:txBody>
       </p:sp>
-      <p:pic>
-        <p:nvPicPr>
-          <p:cNvPr id="4" name="圖片 3"/>
-          <p:cNvPicPr>
-            <a:picLocks noChangeAspect="1"/>
-          </p:cNvPicPr>
-          <p:nvPr/>
-        </p:nvPicPr>
-        <p:blipFill>
-          <a:blip r:embed="rId2">
-            <a:extLst>
-              <a:ext uri="{28A0092B-C50C-407E-A947-70E740481C1C}">
-                <a14:useLocalDpi xmlns:a14="http://schemas.microsoft.com/office/drawing/2010/main" val="0"/>
-              </a:ext>
-            </a:extLst>
-          </a:blip>
-          <a:stretch>
-            <a:fillRect/>
-          </a:stretch>
-        </p:blipFill>
-        <p:spPr>
-          <a:xfrm>
-            <a:off x="1292225" y="2639529"/>
-            <a:ext cx="9607550" cy="1936750"/>
-          </a:xfrm>
-          <a:prstGeom prst="rect">
-            <a:avLst/>
-          </a:prstGeom>
-        </p:spPr>
-      </p:pic>
     </p:spTree>
     <p:extLst>
       <p:ext uri="{BB962C8B-B14F-4D97-AF65-F5344CB8AC3E}">
-        <p14:creationId xmlns:p14="http://schemas.microsoft.com/office/powerpoint/2010/main" val="2727595505"/>
+        <p14:creationId xmlns:p14="http://schemas.microsoft.com/office/powerpoint/2010/main" val="3173203584"/>
       </p:ext>
     </p:extLst>
   </p:cSld>
